--- a/bernhackt_team_material/aldente_präsentation_bernmobil.pptx
+++ b/bernhackt_team_material/aldente_präsentation_bernmobil.pptx
@@ -489,7 +489,35 @@
           <a:bodyPr/>
           <a:lstStyle/>
           <a:p>
-            <a:endParaRPr lang="de-DE" dirty="0"/>
+            <a:pPr marL="0" marR="0" lvl="0" indent="0" algn="l" defTabSz="914400" rtl="0" eaLnBrk="1" fontAlgn="auto" latinLnBrk="0" hangingPunct="1">
+              <a:lnSpc>
+                <a:spcPct val="100000"/>
+              </a:lnSpc>
+              <a:spcBef>
+                <a:spcPts val="0"/>
+              </a:spcBef>
+              <a:spcAft>
+                <a:spcPts val="0"/>
+              </a:spcAft>
+              <a:buClrTx/>
+              <a:buSzTx/>
+              <a:buFontTx/>
+              <a:buNone/>
+              <a:tabLst/>
+              <a:defRPr/>
+            </a:pPr>
+            <a:r>
+              <a:rPr lang="de-CH" sz="1200" kern="1200" dirty="0">
+                <a:solidFill>
+                  <a:schemeClr val="tx1"/>
+                </a:solidFill>
+                <a:effectLst/>
+                <a:latin typeface="+mn-lt"/>
+                <a:ea typeface="+mn-ea"/>
+                <a:cs typeface="+mn-cs"/>
+              </a:rPr>
+              <a:t>Jeder kennt Flugmeilen. Jetzt kommen die Tram-Meilen! </a:t>
+            </a:r>
           </a:p>
         </p:txBody>
       </p:sp>
@@ -510,7 +538,7 @@
           <a:p>
             <a:fld id="{9C43F178-B2D3-214E-B2AB-22C5D90FDEFE}" type="slidenum">
               <a:rPr lang="de-DE" smtClean="0"/>
-              <a:t>5</a:t>
+              <a:t>2</a:t>
             </a:fld>
             <a:endParaRPr lang="de-DE"/>
           </a:p>
@@ -519,7 +547,7 @@
     </p:spTree>
     <p:extLst>
       <p:ext uri="{BB962C8B-B14F-4D97-AF65-F5344CB8AC3E}">
-        <p14:creationId xmlns:p14="http://schemas.microsoft.com/office/powerpoint/2010/main" val="2918893096"/>
+        <p14:creationId xmlns:p14="http://schemas.microsoft.com/office/powerpoint/2010/main" val="4215305896"/>
       </p:ext>
     </p:extLst>
   </p:cSld>
@@ -573,7 +601,390 @@
           <a:bodyPr/>
           <a:lstStyle/>
           <a:p>
+            <a:r>
+              <a:rPr lang="de-CH" sz="1200" kern="1200" dirty="0">
+                <a:solidFill>
+                  <a:schemeClr val="tx1"/>
+                </a:solidFill>
+                <a:effectLst/>
+                <a:latin typeface="+mn-lt"/>
+                <a:ea typeface="+mn-ea"/>
+                <a:cs typeface="+mn-cs"/>
+              </a:rPr>
+              <a:t>Mit der neuen App von Bernmobil kannst du unterwegs in der Stadt Punkte sammeln, mit Reise-</a:t>
+            </a:r>
+            <a:r>
+              <a:rPr lang="de-CH" sz="1200" kern="1200" dirty="0" err="1">
+                <a:solidFill>
+                  <a:schemeClr val="tx1"/>
+                </a:solidFill>
+                <a:effectLst/>
+                <a:latin typeface="+mn-lt"/>
+                <a:ea typeface="+mn-ea"/>
+                <a:cs typeface="+mn-cs"/>
+              </a:rPr>
+              <a:t>Challenges</a:t>
+            </a:r>
+            <a:r>
+              <a:rPr lang="de-CH" sz="1200" kern="1200" dirty="0">
+                <a:solidFill>
+                  <a:schemeClr val="tx1"/>
+                </a:solidFill>
+                <a:effectLst/>
+                <a:latin typeface="+mn-lt"/>
+                <a:ea typeface="+mn-ea"/>
+                <a:cs typeface="+mn-cs"/>
+              </a:rPr>
+              <a:t> besondere Preise gewinnen, dein Level steigern und dich gegen deine Freunde messen! </a:t>
+            </a:r>
+          </a:p>
+          <a:p>
+            <a:r>
+              <a:rPr lang="de-CH" sz="1200" kern="1200" dirty="0">
+                <a:solidFill>
+                  <a:schemeClr val="tx1"/>
+                </a:solidFill>
+                <a:effectLst/>
+                <a:latin typeface="+mn-lt"/>
+                <a:ea typeface="+mn-ea"/>
+                <a:cs typeface="+mn-cs"/>
+              </a:rPr>
+              <a:t>Deine gesammelten Punkte kannst du gegen verschiedene Vorteile, wie zum Beispiel Mitfahr-Tageskarten oder Rabatte mit Partnerunternehmen eintauschen.</a:t>
+            </a:r>
+          </a:p>
+        </p:txBody>
+      </p:sp>
+      <p:sp>
+        <p:nvSpPr>
+          <p:cNvPr id="4" name="Foliennummernplatzhalter 3"/>
+          <p:cNvSpPr>
+            <a:spLocks noGrp="1"/>
+          </p:cNvSpPr>
+          <p:nvPr>
+            <p:ph type="sldNum" sz="quarter" idx="5"/>
+          </p:nvPr>
+        </p:nvSpPr>
+        <p:spPr/>
+        <p:txBody>
+          <a:bodyPr/>
+          <a:lstStyle/>
+          <a:p>
+            <a:fld id="{9C43F178-B2D3-214E-B2AB-22C5D90FDEFE}" type="slidenum">
+              <a:rPr lang="de-DE" smtClean="0"/>
+              <a:t>3</a:t>
+            </a:fld>
+            <a:endParaRPr lang="de-DE"/>
+          </a:p>
+        </p:txBody>
+      </p:sp>
+    </p:spTree>
+    <p:extLst>
+      <p:ext uri="{BB962C8B-B14F-4D97-AF65-F5344CB8AC3E}">
+        <p14:creationId xmlns:p14="http://schemas.microsoft.com/office/powerpoint/2010/main" val="2134190130"/>
+      </p:ext>
+    </p:extLst>
+  </p:cSld>
+  <p:clrMapOvr>
+    <a:masterClrMapping/>
+  </p:clrMapOvr>
+</p:notes>
+</file>
+
+<file path=ppt/notesSlides/notesSlide3.xml><?xml version="1.0" encoding="utf-8"?>
+<p:notes xmlns:a="http://schemas.openxmlformats.org/drawingml/2006/main" xmlns:r="http://schemas.openxmlformats.org/officeDocument/2006/relationships" xmlns:p="http://schemas.openxmlformats.org/presentationml/2006/main">
+  <p:cSld>
+    <p:spTree>
+      <p:nvGrpSpPr>
+        <p:cNvPr id="1" name=""/>
+        <p:cNvGrpSpPr/>
+        <p:nvPr/>
+      </p:nvGrpSpPr>
+      <p:grpSpPr>
+        <a:xfrm>
+          <a:off x="0" y="0"/>
+          <a:ext cx="0" cy="0"/>
+          <a:chOff x="0" y="0"/>
+          <a:chExt cx="0" cy="0"/>
+        </a:xfrm>
+      </p:grpSpPr>
+      <p:sp>
+        <p:nvSpPr>
+          <p:cNvPr id="2" name="Folienbildplatzhalter 1"/>
+          <p:cNvSpPr>
+            <a:spLocks noGrp="1" noRot="1" noChangeAspect="1"/>
+          </p:cNvSpPr>
+          <p:nvPr>
+            <p:ph type="sldImg"/>
+          </p:nvPr>
+        </p:nvSpPr>
+        <p:spPr/>
+      </p:sp>
+      <p:sp>
+        <p:nvSpPr>
+          <p:cNvPr id="3" name="Notizenplatzhalter 2"/>
+          <p:cNvSpPr>
+            <a:spLocks noGrp="1"/>
+          </p:cNvSpPr>
+          <p:nvPr>
+            <p:ph type="body" idx="1"/>
+          </p:nvPr>
+        </p:nvSpPr>
+        <p:spPr/>
+        <p:txBody>
+          <a:bodyPr/>
+          <a:lstStyle/>
+          <a:p>
             <a:endParaRPr lang="de-DE" dirty="0"/>
+          </a:p>
+        </p:txBody>
+      </p:sp>
+      <p:sp>
+        <p:nvSpPr>
+          <p:cNvPr id="4" name="Foliennummernplatzhalter 3"/>
+          <p:cNvSpPr>
+            <a:spLocks noGrp="1"/>
+          </p:cNvSpPr>
+          <p:nvPr>
+            <p:ph type="sldNum" sz="quarter" idx="5"/>
+          </p:nvPr>
+        </p:nvSpPr>
+        <p:spPr/>
+        <p:txBody>
+          <a:bodyPr/>
+          <a:lstStyle/>
+          <a:p>
+            <a:fld id="{9C43F178-B2D3-214E-B2AB-22C5D90FDEFE}" type="slidenum">
+              <a:rPr lang="de-DE" smtClean="0"/>
+              <a:t>4</a:t>
+            </a:fld>
+            <a:endParaRPr lang="de-DE"/>
+          </a:p>
+        </p:txBody>
+      </p:sp>
+    </p:spTree>
+    <p:extLst>
+      <p:ext uri="{BB962C8B-B14F-4D97-AF65-F5344CB8AC3E}">
+        <p14:creationId xmlns:p14="http://schemas.microsoft.com/office/powerpoint/2010/main" val="1262670119"/>
+      </p:ext>
+    </p:extLst>
+  </p:cSld>
+  <p:clrMapOvr>
+    <a:masterClrMapping/>
+  </p:clrMapOvr>
+</p:notes>
+</file>
+
+<file path=ppt/notesSlides/notesSlide4.xml><?xml version="1.0" encoding="utf-8"?>
+<p:notes xmlns:a="http://schemas.openxmlformats.org/drawingml/2006/main" xmlns:r="http://schemas.openxmlformats.org/officeDocument/2006/relationships" xmlns:p="http://schemas.openxmlformats.org/presentationml/2006/main">
+  <p:cSld>
+    <p:spTree>
+      <p:nvGrpSpPr>
+        <p:cNvPr id="1" name=""/>
+        <p:cNvGrpSpPr/>
+        <p:nvPr/>
+      </p:nvGrpSpPr>
+      <p:grpSpPr>
+        <a:xfrm>
+          <a:off x="0" y="0"/>
+          <a:ext cx="0" cy="0"/>
+          <a:chOff x="0" y="0"/>
+          <a:chExt cx="0" cy="0"/>
+        </a:xfrm>
+      </p:grpSpPr>
+      <p:sp>
+        <p:nvSpPr>
+          <p:cNvPr id="2" name="Folienbildplatzhalter 1"/>
+          <p:cNvSpPr>
+            <a:spLocks noGrp="1" noRot="1" noChangeAspect="1"/>
+          </p:cNvSpPr>
+          <p:nvPr>
+            <p:ph type="sldImg"/>
+          </p:nvPr>
+        </p:nvSpPr>
+        <p:spPr/>
+      </p:sp>
+      <p:sp>
+        <p:nvSpPr>
+          <p:cNvPr id="3" name="Notizenplatzhalter 2"/>
+          <p:cNvSpPr>
+            <a:spLocks noGrp="1"/>
+          </p:cNvSpPr>
+          <p:nvPr>
+            <p:ph type="body" idx="1"/>
+          </p:nvPr>
+        </p:nvSpPr>
+        <p:spPr/>
+        <p:txBody>
+          <a:bodyPr/>
+          <a:lstStyle/>
+          <a:p>
+            <a:r>
+              <a:rPr lang="de-DE" dirty="0"/>
+              <a:t>Was sind die Vorteile von so einer Plattform für BERNMOBIL?</a:t>
+            </a:r>
+          </a:p>
+          <a:p>
+            <a:endParaRPr lang="de-DE" dirty="0"/>
+          </a:p>
+          <a:p>
+            <a:pPr marL="228600" indent="-228600">
+              <a:buAutoNum type="arabicPeriod"/>
+            </a:pPr>
+            <a:r>
+              <a:rPr lang="de-DE" dirty="0"/>
+              <a:t>Durch einen neuen interaktiven Marketingkanal mit hohem Engagement können BERNMOBIL ihre Kunden direkt ansprechen und anspornen, ihre Dienste zu verwenden.</a:t>
+            </a:r>
+          </a:p>
+          <a:p>
+            <a:pPr marL="228600" indent="-228600">
+              <a:buAutoNum type="arabicPeriod"/>
+            </a:pPr>
+            <a:r>
+              <a:rPr lang="de-DE" dirty="0"/>
+              <a:t>Da Reiseberichte granular pro Benutzer mit Demographie-, Reisezeit- und weiteren Informationen aufgezeichnet werden, kann BERNMOBIL genauer nachvollziehen, wie ihre Kunden in Bern unterwegs sind.</a:t>
+            </a:r>
+          </a:p>
+          <a:p>
+            <a:pPr marL="228600" indent="-228600">
+              <a:buAutoNum type="arabicPeriod"/>
+            </a:pPr>
+            <a:r>
+              <a:rPr lang="de-DE" dirty="0"/>
+              <a:t>Die </a:t>
+            </a:r>
+            <a:r>
+              <a:rPr lang="de-DE" dirty="0" err="1"/>
+              <a:t>Challenges</a:t>
+            </a:r>
+            <a:r>
+              <a:rPr lang="de-DE" dirty="0"/>
+              <a:t> und das Punktesystem bieten die Möglichkeit zur Einbindung von gesponserten Angeboten, was eine Gelegenheit für neue Partnerschaften bietet.</a:t>
+            </a:r>
+          </a:p>
+        </p:txBody>
+      </p:sp>
+      <p:sp>
+        <p:nvSpPr>
+          <p:cNvPr id="4" name="Foliennummernplatzhalter 3"/>
+          <p:cNvSpPr>
+            <a:spLocks noGrp="1"/>
+          </p:cNvSpPr>
+          <p:nvPr>
+            <p:ph type="sldNum" sz="quarter" idx="5"/>
+          </p:nvPr>
+        </p:nvSpPr>
+        <p:spPr/>
+        <p:txBody>
+          <a:bodyPr/>
+          <a:lstStyle/>
+          <a:p>
+            <a:fld id="{9C43F178-B2D3-214E-B2AB-22C5D90FDEFE}" type="slidenum">
+              <a:rPr lang="de-DE" smtClean="0"/>
+              <a:t>5</a:t>
+            </a:fld>
+            <a:endParaRPr lang="de-DE"/>
+          </a:p>
+        </p:txBody>
+      </p:sp>
+    </p:spTree>
+    <p:extLst>
+      <p:ext uri="{BB962C8B-B14F-4D97-AF65-F5344CB8AC3E}">
+        <p14:creationId xmlns:p14="http://schemas.microsoft.com/office/powerpoint/2010/main" val="2918893096"/>
+      </p:ext>
+    </p:extLst>
+  </p:cSld>
+  <p:clrMapOvr>
+    <a:masterClrMapping/>
+  </p:clrMapOvr>
+</p:notes>
+</file>
+
+<file path=ppt/notesSlides/notesSlide5.xml><?xml version="1.0" encoding="utf-8"?>
+<p:notes xmlns:a="http://schemas.openxmlformats.org/drawingml/2006/main" xmlns:r="http://schemas.openxmlformats.org/officeDocument/2006/relationships" xmlns:p="http://schemas.openxmlformats.org/presentationml/2006/main">
+  <p:cSld>
+    <p:spTree>
+      <p:nvGrpSpPr>
+        <p:cNvPr id="1" name=""/>
+        <p:cNvGrpSpPr/>
+        <p:nvPr/>
+      </p:nvGrpSpPr>
+      <p:grpSpPr>
+        <a:xfrm>
+          <a:off x="0" y="0"/>
+          <a:ext cx="0" cy="0"/>
+          <a:chOff x="0" y="0"/>
+          <a:chExt cx="0" cy="0"/>
+        </a:xfrm>
+      </p:grpSpPr>
+      <p:sp>
+        <p:nvSpPr>
+          <p:cNvPr id="2" name="Folienbildplatzhalter 1"/>
+          <p:cNvSpPr>
+            <a:spLocks noGrp="1" noRot="1" noChangeAspect="1"/>
+          </p:cNvSpPr>
+          <p:nvPr>
+            <p:ph type="sldImg"/>
+          </p:nvPr>
+        </p:nvSpPr>
+        <p:spPr/>
+      </p:sp>
+      <p:sp>
+        <p:nvSpPr>
+          <p:cNvPr id="3" name="Notizenplatzhalter 2"/>
+          <p:cNvSpPr>
+            <a:spLocks noGrp="1"/>
+          </p:cNvSpPr>
+          <p:nvPr>
+            <p:ph type="body" idx="1"/>
+          </p:nvPr>
+        </p:nvSpPr>
+        <p:spPr/>
+        <p:txBody>
+          <a:bodyPr/>
+          <a:lstStyle/>
+          <a:p>
+            <a:r>
+              <a:rPr lang="de-DE" dirty="0"/>
+              <a:t>Was sind die Vorteile für den Benutzer?</a:t>
+            </a:r>
+          </a:p>
+          <a:p>
+            <a:endParaRPr lang="de-DE" dirty="0"/>
+          </a:p>
+          <a:p>
+            <a:pPr marL="228600" indent="-228600">
+              <a:buAutoNum type="arabicPeriod"/>
+            </a:pPr>
+            <a:r>
+              <a:rPr lang="de-DE" dirty="0"/>
+              <a:t>Durch das Sammeln von Punkten können Treueprämien und weitere Aktionen erzielt werden.</a:t>
+            </a:r>
+          </a:p>
+          <a:p>
+            <a:pPr marL="228600" indent="-228600">
+              <a:buAutoNum type="arabicPeriod"/>
+            </a:pPr>
+            <a:r>
+              <a:rPr lang="de-DE" dirty="0"/>
+              <a:t>Die Gameification der Reise mit dem ÖV bietet einen neuen Unterhaltungswert im Verkehr, wo man oft warten muss.</a:t>
+            </a:r>
+          </a:p>
+          <a:p>
+            <a:pPr marL="228600" indent="-228600">
+              <a:buAutoNum type="arabicPeriod"/>
+            </a:pPr>
+            <a:r>
+              <a:rPr lang="de-DE" dirty="0"/>
+              <a:t>Ein möglicher </a:t>
+            </a:r>
+            <a:r>
+              <a:rPr lang="de-DE" dirty="0" err="1"/>
+              <a:t>Social</a:t>
+            </a:r>
+            <a:r>
+              <a:rPr lang="de-DE" dirty="0"/>
+              <a:t>-Aspekt der App ermöglicht Konkurrenzwettbewerbe zwischen Freunden.</a:t>
+            </a:r>
           </a:p>
         </p:txBody>
       </p:sp>
@@ -3710,7 +4121,7 @@
           <p:nvPr/>
         </p:nvPicPr>
         <p:blipFill>
-          <a:blip r:embed="rId2"/>
+          <a:blip r:embed="rId3"/>
           <a:stretch>
             <a:fillRect/>
           </a:stretch>

--- a/bernhackt_team_material/aldente_präsentation_bernmobil.pptx
+++ b/bernhackt_team_material/aldente_präsentation_bernmobil.pptx
@@ -12,8 +12,8 @@
     <p:sldId id="256" r:id="rId3"/>
     <p:sldId id="257" r:id="rId4"/>
     <p:sldId id="260" r:id="rId5"/>
-    <p:sldId id="261" r:id="rId6"/>
-    <p:sldId id="262" r:id="rId7"/>
+    <p:sldId id="262" r:id="rId6"/>
+    <p:sldId id="261" r:id="rId7"/>
     <p:sldId id="263" r:id="rId8"/>
   </p:sldIdLst>
   <p:sldSz cx="12192000" cy="6858000"/>
@@ -121,6 +121,10 @@
 </p:presentation>
 </file>
 
+<file path=ppt/revisionInfo.xml><?xml version="1.0" encoding="utf-8"?>
+<p1510:revInfo xmlns:a="http://schemas.openxmlformats.org/drawingml/2006/main" xmlns:r="http://schemas.openxmlformats.org/officeDocument/2006/relationships" xmlns:p1510="http://schemas.microsoft.com/office/powerpoint/2015/10/main"/>
+</file>
+
 <file path=ppt/notesMasters/notesMaster1.xml><?xml version="1.0" encoding="utf-8"?>
 <p:notesMaster xmlns:a="http://schemas.openxmlformats.org/drawingml/2006/main" xmlns:r="http://schemas.openxmlformats.org/officeDocument/2006/relationships" xmlns:p="http://schemas.openxmlformats.org/presentationml/2006/main">
   <p:cSld>
@@ -203,7 +207,7 @@
           <a:p>
             <a:fld id="{7721DC1C-49F6-224E-845F-87218FEA9888}" type="datetimeFigureOut">
               <a:rPr lang="de-DE" smtClean="0"/>
-              <a:t>25.08.18</a:t>
+              <a:t>26.08.2018</a:t>
             </a:fld>
             <a:endParaRPr lang="de-DE"/>
           </a:p>
@@ -489,34 +493,17 @@
           <a:bodyPr/>
           <a:lstStyle/>
           <a:p>
-            <a:pPr marL="0" marR="0" lvl="0" indent="0" algn="l" defTabSz="914400" rtl="0" eaLnBrk="1" fontAlgn="auto" latinLnBrk="0" hangingPunct="1">
-              <a:lnSpc>
-                <a:spcPct val="100000"/>
-              </a:lnSpc>
-              <a:spcBef>
-                <a:spcPts val="0"/>
-              </a:spcBef>
-              <a:spcAft>
-                <a:spcPts val="0"/>
-              </a:spcAft>
-              <a:buClrTx/>
-              <a:buSzTx/>
-              <a:buFontTx/>
-              <a:buNone/>
-              <a:tabLst/>
-              <a:defRPr/>
-            </a:pPr>
-            <a:r>
-              <a:rPr lang="de-CH" sz="1200" kern="1200" dirty="0">
-                <a:solidFill>
-                  <a:schemeClr val="tx1"/>
-                </a:solidFill>
-                <a:effectLst/>
-                <a:latin typeface="+mn-lt"/>
-                <a:ea typeface="+mn-ea"/>
-                <a:cs typeface="+mn-cs"/>
-              </a:rPr>
-              <a:t>Jeder kennt Flugmeilen. Jetzt kommen die Tram-Meilen! </a:t>
+            <a:r>
+              <a:rPr lang="de-CH" dirty="0"/>
+              <a:t>Hallo zusammen, wir sind </a:t>
+            </a:r>
+            <a:r>
+              <a:rPr lang="de-CH" dirty="0" err="1"/>
+              <a:t>Aldente</a:t>
+            </a:r>
+            <a:r>
+              <a:rPr lang="de-CH" dirty="0"/>
+              <a:t> und auch unsere Lösung ist auf den Punkt und Punkt genau. ***</a:t>
             </a:r>
           </a:p>
         </p:txBody>
@@ -528,7 +515,7 @@
             <a:spLocks noGrp="1"/>
           </p:cNvSpPr>
           <p:nvPr>
-            <p:ph type="sldNum" sz="quarter" idx="5"/>
+            <p:ph type="sldNum" sz="quarter" idx="10"/>
           </p:nvPr>
         </p:nvSpPr>
         <p:spPr/>
@@ -538,7 +525,7 @@
           <a:p>
             <a:fld id="{9C43F178-B2D3-214E-B2AB-22C5D90FDEFE}" type="slidenum">
               <a:rPr lang="de-DE" smtClean="0"/>
-              <a:t>2</a:t>
+              <a:t>1</a:t>
             </a:fld>
             <a:endParaRPr lang="de-DE"/>
           </a:p>
@@ -547,7 +534,7 @@
     </p:spTree>
     <p:extLst>
       <p:ext uri="{BB962C8B-B14F-4D97-AF65-F5344CB8AC3E}">
-        <p14:creationId xmlns:p14="http://schemas.microsoft.com/office/powerpoint/2010/main" val="4215305896"/>
+        <p14:creationId xmlns:p14="http://schemas.microsoft.com/office/powerpoint/2010/main" val="1563178465"/>
       </p:ext>
     </p:extLst>
   </p:cSld>
@@ -602,54 +589,50 @@
           <a:lstStyle/>
           <a:p>
             <a:r>
-              <a:rPr lang="de-CH" sz="1200" kern="1200" dirty="0">
-                <a:solidFill>
-                  <a:schemeClr val="tx1"/>
-                </a:solidFill>
-                <a:effectLst/>
-                <a:latin typeface="+mn-lt"/>
-                <a:ea typeface="+mn-ea"/>
-                <a:cs typeface="+mn-cs"/>
-              </a:rPr>
-              <a:t>Mit der neuen App von Bernmobil kannst du unterwegs in der Stadt Punkte sammeln, mit Reise-</a:t>
-            </a:r>
-            <a:r>
-              <a:rPr lang="de-CH" sz="1200" kern="1200" dirty="0" err="1">
-                <a:solidFill>
-                  <a:schemeClr val="tx1"/>
-                </a:solidFill>
-                <a:effectLst/>
-                <a:latin typeface="+mn-lt"/>
-                <a:ea typeface="+mn-ea"/>
-                <a:cs typeface="+mn-cs"/>
-              </a:rPr>
-              <a:t>Challenges</a:t>
-            </a:r>
-            <a:r>
-              <a:rPr lang="de-CH" sz="1200" kern="1200" dirty="0">
-                <a:solidFill>
-                  <a:schemeClr val="tx1"/>
-                </a:solidFill>
-                <a:effectLst/>
-                <a:latin typeface="+mn-lt"/>
-                <a:ea typeface="+mn-ea"/>
-                <a:cs typeface="+mn-cs"/>
-              </a:rPr>
-              <a:t> besondere Preise gewinnen, dein Level steigern und dich gegen deine Freunde messen! </a:t>
-            </a:r>
-          </a:p>
-          <a:p>
-            <a:r>
-              <a:rPr lang="de-CH" sz="1200" kern="1200" dirty="0">
-                <a:solidFill>
-                  <a:schemeClr val="tx1"/>
-                </a:solidFill>
-                <a:effectLst/>
-                <a:latin typeface="+mn-lt"/>
-                <a:ea typeface="+mn-ea"/>
-                <a:cs typeface="+mn-cs"/>
-              </a:rPr>
-              <a:t>Deine gesammelten Punkte kannst du gegen verschiedene Vorteile, wie zum Beispiel Mitfahr-Tageskarten oder Rabatte mit Partnerunternehmen eintauschen.</a:t>
+              <a:rPr lang="de-CH" dirty="0"/>
+              <a:t>Wir haben die Mission von </a:t>
+            </a:r>
+            <a:r>
+              <a:rPr lang="de-CH" dirty="0" err="1"/>
+              <a:t>BernMobil</a:t>
+            </a:r>
+            <a:r>
+              <a:rPr lang="de-CH" dirty="0"/>
+              <a:t> angenommen, die Kundenbindung zu erhöhen! Dazu verwenden </a:t>
+            </a:r>
+            <a:r>
+              <a:rPr lang="de-CH"/>
+              <a:t>wir Geolocation</a:t>
+            </a:r>
+            <a:r>
+              <a:rPr lang="de-CH" dirty="0"/>
+              <a:t> und Gamification!</a:t>
+            </a:r>
+          </a:p>
+          <a:p>
+            <a:r>
+              <a:rPr lang="de-CH" dirty="0"/>
+              <a:t>Das grösste Problem eines Transportunternehmens ist, dass Kunden die </a:t>
+            </a:r>
+            <a:r>
+              <a:rPr lang="de-CH" dirty="0" err="1"/>
+              <a:t>BernMobilApp</a:t>
+            </a:r>
+            <a:r>
+              <a:rPr lang="de-CH" dirty="0"/>
+              <a:t> erst dann öffnen, wenn sie unzufrieden sind; Tram verpasst, verspätet, umgeleitet.</a:t>
+            </a:r>
+          </a:p>
+          <a:p>
+            <a:r>
+              <a:rPr lang="de-CH" dirty="0"/>
+              <a:t>Die grosse Masse an zufriedenen Fahrgästen hat keinen Grund die App anzuschauen.</a:t>
+            </a:r>
+          </a:p>
+          <a:p>
+            <a:r>
+              <a:rPr lang="de-CH" dirty="0"/>
+              <a:t>Da setzten wir an. ***</a:t>
             </a:r>
           </a:p>
         </p:txBody>
@@ -661,7 +644,7 @@
             <a:spLocks noGrp="1"/>
           </p:cNvSpPr>
           <p:nvPr>
-            <p:ph type="sldNum" sz="quarter" idx="5"/>
+            <p:ph type="sldNum" sz="quarter" idx="10"/>
           </p:nvPr>
         </p:nvSpPr>
         <p:spPr/>
@@ -671,7 +654,7 @@
           <a:p>
             <a:fld id="{9C43F178-B2D3-214E-B2AB-22C5D90FDEFE}" type="slidenum">
               <a:rPr lang="de-DE" smtClean="0"/>
-              <a:t>3</a:t>
+              <a:t>2</a:t>
             </a:fld>
             <a:endParaRPr lang="de-DE"/>
           </a:p>
@@ -680,7 +663,7 @@
     </p:spTree>
     <p:extLst>
       <p:ext uri="{BB962C8B-B14F-4D97-AF65-F5344CB8AC3E}">
-        <p14:creationId xmlns:p14="http://schemas.microsoft.com/office/powerpoint/2010/main" val="2134190130"/>
+        <p14:creationId xmlns:p14="http://schemas.microsoft.com/office/powerpoint/2010/main" val="1053588468"/>
       </p:ext>
     </p:extLst>
   </p:cSld>
@@ -734,7 +717,24 @@
           <a:bodyPr/>
           <a:lstStyle/>
           <a:p>
-            <a:endParaRPr lang="de-DE" dirty="0"/>
+            <a:r>
+              <a:rPr lang="de-CH" dirty="0"/>
+              <a:t>Die Menschen sind von Natur aus Jäger und Sammler. Deswegen haben wir eine App entwickelt, um mit </a:t>
+            </a:r>
+            <a:r>
+              <a:rPr lang="de-CH" dirty="0" err="1"/>
+              <a:t>BernMobil</a:t>
+            </a:r>
+            <a:r>
+              <a:rPr lang="de-CH" dirty="0"/>
+              <a:t> Punkte zu sammeln und gegen Goodies, oder Rabatte einzulösen.</a:t>
+            </a:r>
+          </a:p>
+          <a:p>
+            <a:r>
+              <a:rPr lang="de-CH" dirty="0"/>
+              <a:t>Das Ganze sieht so aus: *** </a:t>
+            </a:r>
           </a:p>
         </p:txBody>
       </p:sp>
@@ -745,7 +745,7 @@
             <a:spLocks noGrp="1"/>
           </p:cNvSpPr>
           <p:nvPr>
-            <p:ph type="sldNum" sz="quarter" idx="5"/>
+            <p:ph type="sldNum" sz="quarter" idx="10"/>
           </p:nvPr>
         </p:nvSpPr>
         <p:spPr/>
@@ -755,7 +755,7 @@
           <a:p>
             <a:fld id="{9C43F178-B2D3-214E-B2AB-22C5D90FDEFE}" type="slidenum">
               <a:rPr lang="de-DE" smtClean="0"/>
-              <a:t>4</a:t>
+              <a:t>3</a:t>
             </a:fld>
             <a:endParaRPr lang="de-DE"/>
           </a:p>
@@ -764,7 +764,7 @@
     </p:spTree>
     <p:extLst>
       <p:ext uri="{BB962C8B-B14F-4D97-AF65-F5344CB8AC3E}">
-        <p14:creationId xmlns:p14="http://schemas.microsoft.com/office/powerpoint/2010/main" val="1262670119"/>
+        <p14:creationId xmlns:p14="http://schemas.microsoft.com/office/powerpoint/2010/main" val="291958517"/>
       </p:ext>
     </p:extLst>
   </p:cSld>
@@ -819,46 +819,50 @@
           <a:lstStyle/>
           <a:p>
             <a:r>
-              <a:rPr lang="de-DE" dirty="0"/>
-              <a:t>Was sind die Vorteile von so einer Plattform für BERNMOBIL?</a:t>
-            </a:r>
-          </a:p>
-          <a:p>
-            <a:endParaRPr lang="de-DE" dirty="0"/>
-          </a:p>
-          <a:p>
-            <a:pPr marL="228600" indent="-228600">
-              <a:buAutoNum type="arabicPeriod"/>
-            </a:pPr>
-            <a:r>
-              <a:rPr lang="de-DE" dirty="0"/>
-              <a:t>Durch einen neuen interaktiven Marketingkanal mit hohem Engagement können BERNMOBIL ihre Kunden direkt ansprechen und anspornen, ihre Dienste zu verwenden.</a:t>
-            </a:r>
-          </a:p>
-          <a:p>
-            <a:pPr marL="228600" indent="-228600">
-              <a:buAutoNum type="arabicPeriod"/>
-            </a:pPr>
-            <a:r>
-              <a:rPr lang="de-DE" dirty="0"/>
-              <a:t>Da Reiseberichte granular pro Benutzer mit Demographie-, Reisezeit- und weiteren Informationen aufgezeichnet werden, kann BERNMOBIL genauer nachvollziehen, wie ihre Kunden in Bern unterwegs sind.</a:t>
-            </a:r>
-          </a:p>
-          <a:p>
-            <a:pPr marL="228600" indent="-228600">
-              <a:buAutoNum type="arabicPeriod"/>
-            </a:pPr>
-            <a:r>
-              <a:rPr lang="de-DE" dirty="0"/>
-              <a:t>Die </a:t>
-            </a:r>
-            <a:r>
-              <a:rPr lang="de-DE" dirty="0" err="1"/>
+              <a:rPr lang="de-CH" dirty="0"/>
+              <a:t>Öffnet man die App, sieht man eine Karte, die um einen selbst zentriert ist und auch die nächste Haltestelle anzeigt. Jetzt sehe ich viele Fragezeichen über euren Köpfen, wozu braucht man das???</a:t>
+            </a:r>
+          </a:p>
+          <a:p>
+            <a:r>
+              <a:rPr lang="de-CH" dirty="0"/>
+              <a:t>Um Punkte zu sammeln! Eines der grossen Ziele ist, alle Haltestellen im </a:t>
+            </a:r>
+            <a:r>
+              <a:rPr lang="de-CH" dirty="0" err="1"/>
+              <a:t>BernMobilNetz</a:t>
+            </a:r>
+            <a:r>
+              <a:rPr lang="de-CH" dirty="0"/>
+              <a:t> zu befahren und Punkte zu SAMMELN. Um Punkte zu ERJAGEN stehen zudem </a:t>
+            </a:r>
+            <a:r>
+              <a:rPr lang="de-CH" dirty="0" err="1"/>
               <a:t>Challenges</a:t>
             </a:r>
             <a:r>
-              <a:rPr lang="de-DE" dirty="0"/>
-              <a:t> und das Punktesystem bieten die Möglichkeit zur Einbindung von gesponserten Angeboten, was eine Gelegenheit für neue Partnerschaften bietet.</a:t>
+              <a:rPr lang="de-CH" dirty="0"/>
+              <a:t> zur Verfügung. Z. B. die neue YB-Challenge: fahre innerhalb von 7 Tagen 5 Mal mit dem YB-Tram. 500 PUNKTE!!! Die nehmen wir doch gleich an. </a:t>
+            </a:r>
+          </a:p>
+          <a:p>
+            <a:r>
+              <a:rPr lang="de-CH" dirty="0"/>
+              <a:t>Die abgeschlossenen </a:t>
+            </a:r>
+            <a:r>
+              <a:rPr lang="de-CH" dirty="0" err="1"/>
+              <a:t>Challenges</a:t>
+            </a:r>
+            <a:r>
+              <a:rPr lang="de-CH" dirty="0"/>
+              <a:t> sieht man unter Achievements: natürlich mit Punkten, die man einsetzten kann und auch Abzeichen, die man sammeln kann.</a:t>
+            </a:r>
+          </a:p>
+          <a:p>
+            <a:r>
+              <a:rPr lang="de-CH" dirty="0"/>
+              <a:t>Wie das Ganze live aussehen könnte seht ihr hier: die Challenge ist am Laufen. Und dann bekommt man eine Push-Nachricht: 500 PUNKTE!!!! Da ist der Tag doch gleich viel besser. ***</a:t>
             </a:r>
           </a:p>
         </p:txBody>
@@ -870,7 +874,7 @@
             <a:spLocks noGrp="1"/>
           </p:cNvSpPr>
           <p:nvPr>
-            <p:ph type="sldNum" sz="quarter" idx="5"/>
+            <p:ph type="sldNum" sz="quarter" idx="10"/>
           </p:nvPr>
         </p:nvSpPr>
         <p:spPr/>
@@ -880,7 +884,7 @@
           <a:p>
             <a:fld id="{9C43F178-B2D3-214E-B2AB-22C5D90FDEFE}" type="slidenum">
               <a:rPr lang="de-DE" smtClean="0"/>
-              <a:t>5</a:t>
+              <a:t>4</a:t>
             </a:fld>
             <a:endParaRPr lang="de-DE"/>
           </a:p>
@@ -889,7 +893,7 @@
     </p:spTree>
     <p:extLst>
       <p:ext uri="{BB962C8B-B14F-4D97-AF65-F5344CB8AC3E}">
-        <p14:creationId xmlns:p14="http://schemas.microsoft.com/office/powerpoint/2010/main" val="2918893096"/>
+        <p14:creationId xmlns:p14="http://schemas.microsoft.com/office/powerpoint/2010/main" val="2264372920"/>
       </p:ext>
     </p:extLst>
   </p:cSld>
@@ -945,45 +949,119 @@
           <a:p>
             <a:r>
               <a:rPr lang="de-DE" dirty="0"/>
-              <a:t>Was sind die Vorteile für den Benutzer?</a:t>
+              <a:t>Nun sehe ich, dass die Fragezeichen über euren Köpfen verschwunden sind und viele Smilies dastehen. Ein paar Leute haben auch schon den </a:t>
+            </a:r>
+            <a:r>
+              <a:rPr lang="de-DE" dirty="0" err="1"/>
+              <a:t>AppStore</a:t>
+            </a:r>
+            <a:r>
+              <a:rPr lang="de-DE" dirty="0"/>
+              <a:t> geöffnet. Richtig, für euch gibt es nur Vorteile! ***</a:t>
+            </a:r>
+          </a:p>
+        </p:txBody>
+      </p:sp>
+      <p:sp>
+        <p:nvSpPr>
+          <p:cNvPr id="4" name="Foliennummernplatzhalter 3"/>
+          <p:cNvSpPr>
+            <a:spLocks noGrp="1"/>
+          </p:cNvSpPr>
+          <p:nvPr>
+            <p:ph type="sldNum" sz="quarter" idx="5"/>
+          </p:nvPr>
+        </p:nvSpPr>
+        <p:spPr/>
+        <p:txBody>
+          <a:bodyPr/>
+          <a:lstStyle/>
+          <a:p>
+            <a:fld id="{9C43F178-B2D3-214E-B2AB-22C5D90FDEFE}" type="slidenum">
+              <a:rPr lang="de-DE" smtClean="0"/>
+              <a:t>5</a:t>
+            </a:fld>
+            <a:endParaRPr lang="de-DE"/>
+          </a:p>
+        </p:txBody>
+      </p:sp>
+    </p:spTree>
+    <p:extLst>
+      <p:ext uri="{BB962C8B-B14F-4D97-AF65-F5344CB8AC3E}">
+        <p14:creationId xmlns:p14="http://schemas.microsoft.com/office/powerpoint/2010/main" val="1156548368"/>
+      </p:ext>
+    </p:extLst>
+  </p:cSld>
+  <p:clrMapOvr>
+    <a:masterClrMapping/>
+  </p:clrMapOvr>
+</p:notes>
+</file>
+
+<file path=ppt/notesSlides/notesSlide6.xml><?xml version="1.0" encoding="utf-8"?>
+<p:notes xmlns:a="http://schemas.openxmlformats.org/drawingml/2006/main" xmlns:r="http://schemas.openxmlformats.org/officeDocument/2006/relationships" xmlns:p="http://schemas.openxmlformats.org/presentationml/2006/main">
+  <p:cSld>
+    <p:spTree>
+      <p:nvGrpSpPr>
+        <p:cNvPr id="1" name=""/>
+        <p:cNvGrpSpPr/>
+        <p:nvPr/>
+      </p:nvGrpSpPr>
+      <p:grpSpPr>
+        <a:xfrm>
+          <a:off x="0" y="0"/>
+          <a:ext cx="0" cy="0"/>
+          <a:chOff x="0" y="0"/>
+          <a:chExt cx="0" cy="0"/>
+        </a:xfrm>
+      </p:grpSpPr>
+      <p:sp>
+        <p:nvSpPr>
+          <p:cNvPr id="2" name="Folienbildplatzhalter 1"/>
+          <p:cNvSpPr>
+            <a:spLocks noGrp="1" noRot="1" noChangeAspect="1"/>
+          </p:cNvSpPr>
+          <p:nvPr>
+            <p:ph type="sldImg"/>
+          </p:nvPr>
+        </p:nvSpPr>
+        <p:spPr/>
+      </p:sp>
+      <p:sp>
+        <p:nvSpPr>
+          <p:cNvPr id="3" name="Notizenplatzhalter 2"/>
+          <p:cNvSpPr>
+            <a:spLocks noGrp="1"/>
+          </p:cNvSpPr>
+          <p:nvPr>
+            <p:ph type="body" idx="1"/>
+          </p:nvPr>
+        </p:nvSpPr>
+        <p:spPr/>
+        <p:txBody>
+          <a:bodyPr/>
+          <a:lstStyle/>
+          <a:p>
+            <a:r>
+              <a:rPr lang="de-DE" dirty="0"/>
+              <a:t>Auch die Marketing Leute von </a:t>
+            </a:r>
+            <a:r>
+              <a:rPr lang="de-DE" dirty="0" err="1"/>
+              <a:t>BernMobil</a:t>
+            </a:r>
+            <a:r>
+              <a:rPr lang="de-DE" dirty="0"/>
+              <a:t> haben glänzende Augen: So viel Marketingpotenzial, Kundeninformation, selber Punkte sammeln. Geil!</a:t>
             </a:r>
           </a:p>
           <a:p>
             <a:endParaRPr lang="de-DE" dirty="0"/>
           </a:p>
           <a:p>
-            <a:pPr marL="228600" indent="-228600">
-              <a:buAutoNum type="arabicPeriod"/>
-            </a:pPr>
             <a:r>
               <a:rPr lang="de-DE" dirty="0"/>
-              <a:t>Durch das Sammeln von Punkten können Treueprämien und weitere Aktionen erzielt werden.</a:t>
-            </a:r>
-          </a:p>
-          <a:p>
-            <a:pPr marL="228600" indent="-228600">
-              <a:buAutoNum type="arabicPeriod"/>
-            </a:pPr>
-            <a:r>
-              <a:rPr lang="de-DE" dirty="0"/>
-              <a:t>Die Gameification der Reise mit dem ÖV bietet einen neuen Unterhaltungswert im Verkehr, wo man oft warten muss.</a:t>
-            </a:r>
-          </a:p>
-          <a:p>
-            <a:pPr marL="228600" indent="-228600">
-              <a:buAutoNum type="arabicPeriod"/>
-            </a:pPr>
-            <a:r>
-              <a:rPr lang="de-DE" dirty="0"/>
-              <a:t>Ein möglicher </a:t>
-            </a:r>
-            <a:r>
-              <a:rPr lang="de-DE" dirty="0" err="1"/>
-              <a:t>Social</a:t>
-            </a:r>
-            <a:r>
-              <a:rPr lang="de-DE" dirty="0"/>
-              <a:t>-Aspekt der App ermöglicht Konkurrenzwettbewerbe zwischen Freunden.</a:t>
+              <a:t>Aber bevor ihr alle rausrennt und das YB-Tram sucht ***</a:t>
             </a:r>
           </a:p>
         </p:txBody>
@@ -1014,7 +1092,120 @@
     </p:spTree>
     <p:extLst>
       <p:ext uri="{BB962C8B-B14F-4D97-AF65-F5344CB8AC3E}">
-        <p14:creationId xmlns:p14="http://schemas.microsoft.com/office/powerpoint/2010/main" val="1156548368"/>
+        <p14:creationId xmlns:p14="http://schemas.microsoft.com/office/powerpoint/2010/main" val="2918893096"/>
+      </p:ext>
+    </p:extLst>
+  </p:cSld>
+  <p:clrMapOvr>
+    <a:masterClrMapping/>
+  </p:clrMapOvr>
+</p:notes>
+</file>
+
+<file path=ppt/notesSlides/notesSlide7.xml><?xml version="1.0" encoding="utf-8"?>
+<p:notes xmlns:a="http://schemas.openxmlformats.org/drawingml/2006/main" xmlns:r="http://schemas.openxmlformats.org/officeDocument/2006/relationships" xmlns:p="http://schemas.openxmlformats.org/presentationml/2006/main">
+  <p:cSld>
+    <p:spTree>
+      <p:nvGrpSpPr>
+        <p:cNvPr id="1" name=""/>
+        <p:cNvGrpSpPr/>
+        <p:nvPr/>
+      </p:nvGrpSpPr>
+      <p:grpSpPr>
+        <a:xfrm>
+          <a:off x="0" y="0"/>
+          <a:ext cx="0" cy="0"/>
+          <a:chOff x="0" y="0"/>
+          <a:chExt cx="0" cy="0"/>
+        </a:xfrm>
+      </p:grpSpPr>
+      <p:sp>
+        <p:nvSpPr>
+          <p:cNvPr id="2" name="Folienbildplatzhalter 1"/>
+          <p:cNvSpPr>
+            <a:spLocks noGrp="1" noRot="1" noChangeAspect="1"/>
+          </p:cNvSpPr>
+          <p:nvPr>
+            <p:ph type="sldImg"/>
+          </p:nvPr>
+        </p:nvSpPr>
+        <p:spPr/>
+      </p:sp>
+      <p:sp>
+        <p:nvSpPr>
+          <p:cNvPr id="3" name="Notizenplatzhalter 2"/>
+          <p:cNvSpPr>
+            <a:spLocks noGrp="1"/>
+          </p:cNvSpPr>
+          <p:nvPr>
+            <p:ph type="body" idx="1"/>
+          </p:nvPr>
+        </p:nvSpPr>
+        <p:spPr/>
+        <p:txBody>
+          <a:bodyPr/>
+          <a:lstStyle/>
+          <a:p>
+            <a:r>
+              <a:rPr lang="de-CH" dirty="0" err="1"/>
+              <a:t>Vote</a:t>
+            </a:r>
+            <a:r>
+              <a:rPr lang="de-CH" dirty="0"/>
+              <a:t> </a:t>
+            </a:r>
+            <a:r>
+              <a:rPr lang="de-CH" dirty="0" err="1"/>
+              <a:t>For</a:t>
+            </a:r>
+            <a:r>
+              <a:rPr lang="de-CH" dirty="0"/>
+              <a:t> </a:t>
+            </a:r>
+            <a:r>
+              <a:rPr lang="de-CH" dirty="0" err="1"/>
+              <a:t>Aldente</a:t>
+            </a:r>
+            <a:endParaRPr lang="de-CH" dirty="0"/>
+          </a:p>
+          <a:p>
+            <a:endParaRPr lang="de-CH" dirty="0"/>
+          </a:p>
+          <a:p>
+            <a:r>
+              <a:rPr lang="de-CH" dirty="0"/>
+              <a:t>Vielen Dank</a:t>
+            </a:r>
+          </a:p>
+        </p:txBody>
+      </p:sp>
+      <p:sp>
+        <p:nvSpPr>
+          <p:cNvPr id="4" name="Foliennummernplatzhalter 3"/>
+          <p:cNvSpPr>
+            <a:spLocks noGrp="1"/>
+          </p:cNvSpPr>
+          <p:nvPr>
+            <p:ph type="sldNum" sz="quarter" idx="10"/>
+          </p:nvPr>
+        </p:nvSpPr>
+        <p:spPr/>
+        <p:txBody>
+          <a:bodyPr/>
+          <a:lstStyle/>
+          <a:p>
+            <a:fld id="{9C43F178-B2D3-214E-B2AB-22C5D90FDEFE}" type="slidenum">
+              <a:rPr lang="de-DE" smtClean="0"/>
+              <a:t>7</a:t>
+            </a:fld>
+            <a:endParaRPr lang="de-DE"/>
+          </a:p>
+        </p:txBody>
+      </p:sp>
+    </p:spTree>
+    <p:extLst>
+      <p:ext uri="{BB962C8B-B14F-4D97-AF65-F5344CB8AC3E}">
+        <p14:creationId xmlns:p14="http://schemas.microsoft.com/office/powerpoint/2010/main" val="3374290682"/>
       </p:ext>
     </p:extLst>
   </p:cSld>
@@ -1178,7 +1369,7 @@
           <a:p>
             <a:fld id="{7367BFBA-07B6-EC4B-8A73-4F4A51F9C3AC}" type="datetimeFigureOut">
               <a:rPr lang="de-DE" smtClean="0"/>
-              <a:t>25.08.18</a:t>
+              <a:t>26.08.2018</a:t>
             </a:fld>
             <a:endParaRPr lang="de-DE"/>
           </a:p>
@@ -1351,7 +1542,7 @@
           <a:p>
             <a:fld id="{7367BFBA-07B6-EC4B-8A73-4F4A51F9C3AC}" type="datetimeFigureOut">
               <a:rPr lang="de-DE" smtClean="0"/>
-              <a:t>25.08.18</a:t>
+              <a:t>26.08.2018</a:t>
             </a:fld>
             <a:endParaRPr lang="de-DE"/>
           </a:p>
@@ -1534,7 +1725,7 @@
           <a:p>
             <a:fld id="{7367BFBA-07B6-EC4B-8A73-4F4A51F9C3AC}" type="datetimeFigureOut">
               <a:rPr lang="de-DE" smtClean="0"/>
-              <a:t>25.08.18</a:t>
+              <a:t>26.08.2018</a:t>
             </a:fld>
             <a:endParaRPr lang="de-DE"/>
           </a:p>
@@ -1707,7 +1898,7 @@
           <a:p>
             <a:fld id="{7367BFBA-07B6-EC4B-8A73-4F4A51F9C3AC}" type="datetimeFigureOut">
               <a:rPr lang="de-DE" smtClean="0"/>
-              <a:t>25.08.18</a:t>
+              <a:t>26.08.2018</a:t>
             </a:fld>
             <a:endParaRPr lang="de-DE"/>
           </a:p>
@@ -1985,7 +2176,7 @@
           <a:p>
             <a:fld id="{7367BFBA-07B6-EC4B-8A73-4F4A51F9C3AC}" type="datetimeFigureOut">
               <a:rPr lang="de-DE" smtClean="0"/>
-              <a:t>25.08.18</a:t>
+              <a:t>26.08.2018</a:t>
             </a:fld>
             <a:endParaRPr lang="de-DE"/>
           </a:p>
@@ -2200,7 +2391,7 @@
           <a:p>
             <a:fld id="{7367BFBA-07B6-EC4B-8A73-4F4A51F9C3AC}" type="datetimeFigureOut">
               <a:rPr lang="de-DE" smtClean="0"/>
-              <a:t>25.08.18</a:t>
+              <a:t>26.08.2018</a:t>
             </a:fld>
             <a:endParaRPr lang="de-DE"/>
           </a:p>
@@ -2568,7 +2759,7 @@
           <a:p>
             <a:fld id="{7367BFBA-07B6-EC4B-8A73-4F4A51F9C3AC}" type="datetimeFigureOut">
               <a:rPr lang="de-DE" smtClean="0"/>
-              <a:t>25.08.18</a:t>
+              <a:t>26.08.2018</a:t>
             </a:fld>
             <a:endParaRPr lang="de-DE"/>
           </a:p>
@@ -2709,7 +2900,7 @@
           <a:p>
             <a:fld id="{7367BFBA-07B6-EC4B-8A73-4F4A51F9C3AC}" type="datetimeFigureOut">
               <a:rPr lang="de-DE" smtClean="0"/>
-              <a:t>25.08.18</a:t>
+              <a:t>26.08.2018</a:t>
             </a:fld>
             <a:endParaRPr lang="de-DE"/>
           </a:p>
@@ -2822,7 +3013,7 @@
           <a:p>
             <a:fld id="{7367BFBA-07B6-EC4B-8A73-4F4A51F9C3AC}" type="datetimeFigureOut">
               <a:rPr lang="de-DE" smtClean="0"/>
-              <a:t>25.08.18</a:t>
+              <a:t>26.08.2018</a:t>
             </a:fld>
             <a:endParaRPr lang="de-DE"/>
           </a:p>
@@ -3111,7 +3302,7 @@
           <a:p>
             <a:fld id="{7367BFBA-07B6-EC4B-8A73-4F4A51F9C3AC}" type="datetimeFigureOut">
               <a:rPr lang="de-DE" smtClean="0"/>
-              <a:t>25.08.18</a:t>
+              <a:t>26.08.2018</a:t>
             </a:fld>
             <a:endParaRPr lang="de-DE"/>
           </a:p>
@@ -3402,7 +3593,7 @@
           <a:p>
             <a:fld id="{7367BFBA-07B6-EC4B-8A73-4F4A51F9C3AC}" type="datetimeFigureOut">
               <a:rPr lang="de-DE" smtClean="0"/>
-              <a:t>25.08.18</a:t>
+              <a:t>26.08.2018</a:t>
             </a:fld>
             <a:endParaRPr lang="de-DE"/>
           </a:p>
@@ -3618,7 +3809,7 @@
           <a:p>
             <a:fld id="{7367BFBA-07B6-EC4B-8A73-4F4A51F9C3AC}" type="datetimeFigureOut">
               <a:rPr lang="de-DE" smtClean="0"/>
-              <a:t>25.08.18</a:t>
+              <a:t>26.08.2018</a:t>
             </a:fld>
             <a:endParaRPr lang="de-DE"/>
           </a:p>
@@ -4058,7 +4249,7 @@
           <p:nvPr/>
         </p:nvPicPr>
         <p:blipFill>
-          <a:blip r:embed="rId2"/>
+          <a:blip r:embed="rId3"/>
           <a:stretch>
             <a:fillRect/>
           </a:stretch>
@@ -4083,9 +4274,6 @@
   <p:clrMapOvr>
     <a:masterClrMapping/>
   </p:clrMapOvr>
-  <p:transition spd="slow">
-    <p:push/>
-  </p:transition>
 </p:sld>
 </file>
 
@@ -4169,55 +4357,313 @@
           <a:chExt cx="0" cy="0"/>
         </a:xfrm>
       </p:grpSpPr>
-      <p:sp>
-        <p:nvSpPr>
-          <p:cNvPr id="2" name="Textfeld 1">
-            <a:extLst>
-              <a:ext uri="{FF2B5EF4-FFF2-40B4-BE49-F238E27FC236}">
-                <a16:creationId xmlns:a16="http://schemas.microsoft.com/office/drawing/2014/main" id="{1CFF1265-530E-D148-A5BD-C570E6CFFD2C}"/>
-              </a:ext>
-            </a:extLst>
-          </p:cNvPr>
-          <p:cNvSpPr txBox="1"/>
+      <p:grpSp>
+        <p:nvGrpSpPr>
+          <p:cNvPr id="7" name="Gruppieren 6">
+            <a:extLst>
+              <a:ext uri="{FF2B5EF4-FFF2-40B4-BE49-F238E27FC236}">
+                <a16:creationId xmlns:a16="http://schemas.microsoft.com/office/drawing/2014/main" id="{319F8BA2-2ECF-435C-B450-240C9E9586A4}"/>
+              </a:ext>
+            </a:extLst>
+          </p:cNvPr>
+          <p:cNvGrpSpPr/>
           <p:nvPr/>
-        </p:nvSpPr>
-        <p:spPr>
+        </p:nvGrpSpPr>
+        <p:grpSpPr>
           <a:xfrm>
-            <a:off x="3615267" y="2151728"/>
-            <a:ext cx="4961467" cy="2554545"/>
+            <a:off x="1373652" y="2384021"/>
+            <a:ext cx="3607496" cy="2780779"/>
+            <a:chOff x="1415441" y="1954060"/>
+            <a:chExt cx="3607496" cy="2780779"/>
           </a:xfrm>
-          <a:prstGeom prst="rect">
-            <a:avLst/>
-          </a:prstGeom>
-          <a:noFill/>
-        </p:spPr>
-        <p:txBody>
-          <a:bodyPr wrap="square" rtlCol="0">
-            <a:spAutoFit/>
-          </a:bodyPr>
-          <a:lstStyle/>
-          <a:p>
-            <a:pPr algn="ctr"/>
-            <a:r>
-              <a:rPr lang="de-DE" sz="8000" b="1" dirty="0">
-                <a:latin typeface="Montserrat" pitchFamily="2" charset="77"/>
-              </a:rPr>
-              <a:t>TRAM-</a:t>
-            </a:r>
-            <a:br>
-              <a:rPr lang="de-DE" sz="8000" b="1" dirty="0">
-                <a:latin typeface="Montserrat" pitchFamily="2" charset="77"/>
-              </a:rPr>
-            </a:br>
-            <a:r>
-              <a:rPr lang="de-DE" sz="8000" b="1" dirty="0">
-                <a:latin typeface="Montserrat" pitchFamily="2" charset="77"/>
-              </a:rPr>
-              <a:t>MEILEN?</a:t>
-            </a:r>
-          </a:p>
-        </p:txBody>
-      </p:sp>
+        </p:grpSpPr>
+        <p:sp>
+          <p:nvSpPr>
+            <p:cNvPr id="3" name="Sehne 2">
+              <a:extLst>
+                <a:ext uri="{FF2B5EF4-FFF2-40B4-BE49-F238E27FC236}">
+                  <a16:creationId xmlns:a16="http://schemas.microsoft.com/office/drawing/2014/main" id="{0190D168-5BF1-4742-A422-F915310533ED}"/>
+                </a:ext>
+              </a:extLst>
+            </p:cNvPr>
+            <p:cNvSpPr/>
+            <p:nvPr/>
+          </p:nvSpPr>
+          <p:spPr>
+            <a:xfrm rot="10800000">
+              <a:off x="1415441" y="1954060"/>
+              <a:ext cx="3231715" cy="2780779"/>
+            </a:xfrm>
+            <a:prstGeom prst="chord">
+              <a:avLst/>
+            </a:prstGeom>
+            <a:noFill/>
+            <a:ln w="38100">
+              <a:solidFill>
+                <a:schemeClr val="tx1"/>
+              </a:solidFill>
+            </a:ln>
+          </p:spPr>
+          <p:style>
+            <a:lnRef idx="2">
+              <a:schemeClr val="accent1">
+                <a:shade val="50000"/>
+              </a:schemeClr>
+            </a:lnRef>
+            <a:fillRef idx="1">
+              <a:schemeClr val="accent1"/>
+            </a:fillRef>
+            <a:effectRef idx="0">
+              <a:schemeClr val="accent1"/>
+            </a:effectRef>
+            <a:fontRef idx="minor">
+              <a:schemeClr val="lt1"/>
+            </a:fontRef>
+          </p:style>
+          <p:txBody>
+            <a:bodyPr rtlCol="0" anchor="ctr"/>
+            <a:lstStyle/>
+            <a:p>
+              <a:pPr algn="ctr"/>
+              <a:endParaRPr lang="de-CH"/>
+            </a:p>
+          </p:txBody>
+        </p:sp>
+        <p:cxnSp>
+          <p:nvCxnSpPr>
+            <p:cNvPr id="5" name="Gerade Verbindung mit Pfeil 4">
+              <a:extLst>
+                <a:ext uri="{FF2B5EF4-FFF2-40B4-BE49-F238E27FC236}">
+                  <a16:creationId xmlns:a16="http://schemas.microsoft.com/office/drawing/2014/main" id="{493A9843-E711-48E5-BA55-6EDA1E82535B}"/>
+                </a:ext>
+              </a:extLst>
+            </p:cNvPr>
+            <p:cNvCxnSpPr/>
+            <p:nvPr/>
+          </p:nvCxnSpPr>
+          <p:spPr>
+            <a:xfrm flipV="1">
+              <a:off x="1954060" y="2304789"/>
+              <a:ext cx="3068877" cy="1728592"/>
+            </a:xfrm>
+            <a:prstGeom prst="straightConnector1">
+              <a:avLst/>
+            </a:prstGeom>
+            <a:ln w="76200">
+              <a:solidFill>
+                <a:schemeClr val="tx1"/>
+              </a:solidFill>
+              <a:tailEnd type="triangle"/>
+            </a:ln>
+          </p:spPr>
+          <p:style>
+            <a:lnRef idx="1">
+              <a:schemeClr val="accent1"/>
+            </a:lnRef>
+            <a:fillRef idx="0">
+              <a:schemeClr val="accent1"/>
+            </a:fillRef>
+            <a:effectRef idx="0">
+              <a:schemeClr val="accent1"/>
+            </a:effectRef>
+            <a:fontRef idx="minor">
+              <a:schemeClr val="tx1"/>
+            </a:fontRef>
+          </p:style>
+        </p:cxnSp>
+      </p:grpSp>
+      <p:grpSp>
+        <p:nvGrpSpPr>
+          <p:cNvPr id="10" name="Gruppieren 9">
+            <a:extLst>
+              <a:ext uri="{FF2B5EF4-FFF2-40B4-BE49-F238E27FC236}">
+                <a16:creationId xmlns:a16="http://schemas.microsoft.com/office/drawing/2014/main" id="{DEF35093-7F4D-4290-A4B4-1F83B8B38CE2}"/>
+              </a:ext>
+            </a:extLst>
+          </p:cNvPr>
+          <p:cNvGrpSpPr/>
+          <p:nvPr/>
+        </p:nvGrpSpPr>
+        <p:grpSpPr>
+          <a:xfrm>
+            <a:off x="6799845" y="902562"/>
+            <a:ext cx="2821931" cy="4888907"/>
+            <a:chOff x="6901841" y="643767"/>
+            <a:chExt cx="2821931" cy="4888907"/>
+          </a:xfrm>
+        </p:grpSpPr>
+        <p:pic>
+          <p:nvPicPr>
+            <p:cNvPr id="8" name="Picture 2" descr="Bildergebnis fÃ¼r bernmobil icon">
+              <a:extLst>
+                <a:ext uri="{FF2B5EF4-FFF2-40B4-BE49-F238E27FC236}">
+                  <a16:creationId xmlns:a16="http://schemas.microsoft.com/office/drawing/2014/main" id="{03065672-F233-47C6-A0F2-421D5393D5AF}"/>
+                </a:ext>
+              </a:extLst>
+            </p:cNvPr>
+            <p:cNvPicPr>
+              <a:picLocks noChangeAspect="1" noChangeArrowheads="1"/>
+            </p:cNvPicPr>
+            <p:nvPr/>
+          </p:nvPicPr>
+          <p:blipFill rotWithShape="1">
+            <a:blip r:embed="rId3">
+              <a:extLst>
+                <a:ext uri="{28A0092B-C50C-407E-A947-70E740481C1C}">
+                  <a14:useLocalDpi xmlns:a14="http://schemas.microsoft.com/office/drawing/2010/main" val="0"/>
+                </a:ext>
+              </a:extLst>
+            </a:blip>
+            <a:srcRect l="25051" t="41656" r="23356"/>
+            <a:stretch/>
+          </p:blipFill>
+          <p:spPr bwMode="auto">
+            <a:xfrm rot="18220990">
+              <a:off x="6764936" y="3305088"/>
+              <a:ext cx="2066794" cy="421057"/>
+            </a:xfrm>
+            <a:prstGeom prst="rect">
+              <a:avLst/>
+            </a:prstGeom>
+            <a:solidFill>
+              <a:schemeClr val="tx1"/>
+            </a:solidFill>
+          </p:spPr>
+        </p:pic>
+        <p:sp>
+          <p:nvSpPr>
+            <p:cNvPr id="6" name="Sehne 5">
+              <a:extLst>
+                <a:ext uri="{FF2B5EF4-FFF2-40B4-BE49-F238E27FC236}">
+                  <a16:creationId xmlns:a16="http://schemas.microsoft.com/office/drawing/2014/main" id="{42655D32-7858-40AD-9676-F07D238E33EC}"/>
+                </a:ext>
+              </a:extLst>
+            </p:cNvPr>
+            <p:cNvSpPr/>
+            <p:nvPr/>
+          </p:nvSpPr>
+          <p:spPr>
+            <a:xfrm rot="16986331">
+              <a:off x="6751529" y="2764422"/>
+              <a:ext cx="2918564" cy="2617940"/>
+            </a:xfrm>
+            <a:prstGeom prst="chord">
+              <a:avLst>
+                <a:gd name="adj1" fmla="val 2700000"/>
+                <a:gd name="adj2" fmla="val 17317671"/>
+              </a:avLst>
+            </a:prstGeom>
+            <a:solidFill>
+              <a:schemeClr val="tx1"/>
+            </a:solidFill>
+            <a:ln>
+              <a:solidFill>
+                <a:schemeClr val="tx1"/>
+              </a:solidFill>
+            </a:ln>
+          </p:spPr>
+          <p:style>
+            <a:lnRef idx="2">
+              <a:schemeClr val="accent1">
+                <a:shade val="50000"/>
+              </a:schemeClr>
+            </a:lnRef>
+            <a:fillRef idx="1">
+              <a:schemeClr val="accent1"/>
+            </a:fillRef>
+            <a:effectRef idx="0">
+              <a:schemeClr val="accent1"/>
+            </a:effectRef>
+            <a:fontRef idx="minor">
+              <a:schemeClr val="lt1"/>
+            </a:fontRef>
+          </p:style>
+          <p:txBody>
+            <a:bodyPr rtlCol="0" anchor="ctr"/>
+            <a:lstStyle/>
+            <a:p>
+              <a:pPr algn="ctr"/>
+              <a:endParaRPr lang="de-CH"/>
+            </a:p>
+          </p:txBody>
+        </p:sp>
+        <p:pic>
+          <p:nvPicPr>
+            <p:cNvPr id="1026" name="Picture 2" descr="Bildergebnis fÃ¼r bernmobil icon">
+              <a:extLst>
+                <a:ext uri="{FF2B5EF4-FFF2-40B4-BE49-F238E27FC236}">
+                  <a16:creationId xmlns:a16="http://schemas.microsoft.com/office/drawing/2014/main" id="{37E1F1A8-CBBA-4226-AC29-46B533968EE1}"/>
+                </a:ext>
+              </a:extLst>
+            </p:cNvPr>
+            <p:cNvPicPr>
+              <a:picLocks noChangeAspect="1" noChangeArrowheads="1"/>
+            </p:cNvPicPr>
+            <p:nvPr/>
+          </p:nvPicPr>
+          <p:blipFill rotWithShape="1">
+            <a:blip r:embed="rId3">
+              <a:extLst>
+                <a:ext uri="{28A0092B-C50C-407E-A947-70E740481C1C}">
+                  <a14:useLocalDpi xmlns:a14="http://schemas.microsoft.com/office/drawing/2010/main" val="0"/>
+                </a:ext>
+              </a:extLst>
+            </a:blip>
+            <a:srcRect l="25051" t="41656" r="23356"/>
+            <a:stretch/>
+          </p:blipFill>
+          <p:spPr bwMode="auto">
+            <a:xfrm rot="18220990">
+              <a:off x="8479847" y="2048995"/>
+              <a:ext cx="2066794" cy="421057"/>
+            </a:xfrm>
+            <a:prstGeom prst="rect">
+              <a:avLst/>
+            </a:prstGeom>
+            <a:solidFill>
+              <a:schemeClr val="tx1"/>
+            </a:solidFill>
+          </p:spPr>
+        </p:pic>
+        <p:pic>
+          <p:nvPicPr>
+            <p:cNvPr id="9" name="Picture 2" descr="Bildergebnis fÃ¼r bernmobil icon">
+              <a:extLst>
+                <a:ext uri="{FF2B5EF4-FFF2-40B4-BE49-F238E27FC236}">
+                  <a16:creationId xmlns:a16="http://schemas.microsoft.com/office/drawing/2014/main" id="{51F131BF-2DAA-435E-B8F1-9AE6D044B842}"/>
+                </a:ext>
+              </a:extLst>
+            </p:cNvPr>
+            <p:cNvPicPr>
+              <a:picLocks noChangeAspect="1" noChangeArrowheads="1"/>
+            </p:cNvPicPr>
+            <p:nvPr/>
+          </p:nvPicPr>
+          <p:blipFill rotWithShape="1">
+            <a:blip r:embed="rId3">
+              <a:extLst>
+                <a:ext uri="{28A0092B-C50C-407E-A947-70E740481C1C}">
+                  <a14:useLocalDpi xmlns:a14="http://schemas.microsoft.com/office/drawing/2010/main" val="0"/>
+                </a:ext>
+              </a:extLst>
+            </a:blip>
+            <a:srcRect l="25051" t="41656" r="23356"/>
+            <a:stretch/>
+          </p:blipFill>
+          <p:spPr bwMode="auto">
+            <a:xfrm rot="3401049">
+              <a:off x="6433887" y="1466635"/>
+              <a:ext cx="2066794" cy="421057"/>
+            </a:xfrm>
+            <a:prstGeom prst="rect">
+              <a:avLst/>
+            </a:prstGeom>
+            <a:solidFill>
+              <a:schemeClr val="tx1"/>
+            </a:solidFill>
+          </p:spPr>
+        </p:pic>
+      </p:grpSp>
     </p:spTree>
     <p:extLst>
       <p:ext uri="{BB962C8B-B14F-4D97-AF65-F5344CB8AC3E}">
@@ -4354,7 +4800,7 @@
               <a:rPr lang="de-DE" sz="4000" b="1" dirty="0">
                 <a:latin typeface="Montserrat" pitchFamily="2" charset="77"/>
               </a:rPr>
-              <a:t>NEUE MARKETING-PLATTFORM</a:t>
+              <a:t>VORTEILE DURCH PUNKTESYSTEM</a:t>
             </a:r>
           </a:p>
           <a:p>
@@ -4362,7 +4808,7 @@
               <a:rPr lang="de-DE" sz="4000" b="1" dirty="0">
                 <a:latin typeface="Montserrat" pitchFamily="2" charset="77"/>
               </a:rPr>
-              <a:t>KUNDENVERHALTEN VERSTEHEN</a:t>
+              <a:t>UNTERHALTUNGSWERT</a:t>
             </a:r>
           </a:p>
           <a:p>
@@ -4370,7 +4816,7 @@
               <a:rPr lang="de-DE" sz="4000" b="1" dirty="0">
                 <a:latin typeface="Montserrat" pitchFamily="2" charset="77"/>
               </a:rPr>
-              <a:t>EINBINDUNG VON DRITTANBIETERN</a:t>
+              <a:t>CHALLENGE MIT FREUNDEN</a:t>
             </a:r>
           </a:p>
         </p:txBody>
@@ -4412,190 +4858,13 @@
     </p:spTree>
     <p:extLst>
       <p:ext uri="{BB962C8B-B14F-4D97-AF65-F5344CB8AC3E}">
-        <p14:creationId xmlns:p14="http://schemas.microsoft.com/office/powerpoint/2010/main" val="2957811535"/>
+        <p14:creationId xmlns:p14="http://schemas.microsoft.com/office/powerpoint/2010/main" val="497685164"/>
       </p:ext>
     </p:extLst>
   </p:cSld>
   <p:clrMapOvr>
     <a:masterClrMapping/>
   </p:clrMapOvr>
-  <p:timing>
-    <p:tnLst>
-      <p:par>
-        <p:cTn id="1" dur="indefinite" restart="never" nodeType="tmRoot">
-          <p:childTnLst>
-            <p:seq concurrent="1" nextAc="seek">
-              <p:cTn id="2" dur="indefinite" nodeType="mainSeq">
-                <p:childTnLst>
-                  <p:par>
-                    <p:cTn id="3" fill="hold">
-                      <p:stCondLst>
-                        <p:cond delay="indefinite"/>
-                      </p:stCondLst>
-                      <p:childTnLst>
-                        <p:par>
-                          <p:cTn id="4" fill="hold">
-                            <p:stCondLst>
-                              <p:cond delay="0"/>
-                            </p:stCondLst>
-                            <p:childTnLst>
-                              <p:par>
-                                <p:cTn id="5" presetID="1" presetClass="entr" presetSubtype="0" fill="hold" nodeType="clickEffect">
-                                  <p:stCondLst>
-                                    <p:cond delay="0"/>
-                                  </p:stCondLst>
-                                  <p:childTnLst>
-                                    <p:set>
-                                      <p:cBhvr>
-                                        <p:cTn id="6" dur="1" fill="hold">
-                                          <p:stCondLst>
-                                            <p:cond delay="0"/>
-                                          </p:stCondLst>
-                                        </p:cTn>
-                                        <p:tgtEl>
-                                          <p:spTgt spid="2">
-                                            <p:txEl>
-                                              <p:pRg st="0" end="0"/>
-                                            </p:txEl>
-                                          </p:spTgt>
-                                        </p:tgtEl>
-                                        <p:attrNameLst>
-                                          <p:attrName>style.visibility</p:attrName>
-                                        </p:attrNameLst>
-                                      </p:cBhvr>
-                                      <p:to>
-                                        <p:strVal val="visible"/>
-                                      </p:to>
-                                    </p:set>
-                                  </p:childTnLst>
-                                </p:cTn>
-                              </p:par>
-                            </p:childTnLst>
-                          </p:cTn>
-                        </p:par>
-                      </p:childTnLst>
-                    </p:cTn>
-                  </p:par>
-                  <p:par>
-                    <p:cTn id="7" fill="hold">
-                      <p:stCondLst>
-                        <p:cond delay="indefinite"/>
-                      </p:stCondLst>
-                      <p:childTnLst>
-                        <p:par>
-                          <p:cTn id="8" fill="hold">
-                            <p:stCondLst>
-                              <p:cond delay="0"/>
-                            </p:stCondLst>
-                            <p:childTnLst>
-                              <p:par>
-                                <p:cTn id="9" presetID="1" presetClass="entr" presetSubtype="0" fill="hold" nodeType="clickEffect">
-                                  <p:stCondLst>
-                                    <p:cond delay="0"/>
-                                  </p:stCondLst>
-                                  <p:childTnLst>
-                                    <p:set>
-                                      <p:cBhvr>
-                                        <p:cTn id="10" dur="1" fill="hold">
-                                          <p:stCondLst>
-                                            <p:cond delay="0"/>
-                                          </p:stCondLst>
-                                        </p:cTn>
-                                        <p:tgtEl>
-                                          <p:spTgt spid="2">
-                                            <p:txEl>
-                                              <p:pRg st="1" end="1"/>
-                                            </p:txEl>
-                                          </p:spTgt>
-                                        </p:tgtEl>
-                                        <p:attrNameLst>
-                                          <p:attrName>style.visibility</p:attrName>
-                                        </p:attrNameLst>
-                                      </p:cBhvr>
-                                      <p:to>
-                                        <p:strVal val="visible"/>
-                                      </p:to>
-                                    </p:set>
-                                  </p:childTnLst>
-                                </p:cTn>
-                              </p:par>
-                            </p:childTnLst>
-                          </p:cTn>
-                        </p:par>
-                      </p:childTnLst>
-                    </p:cTn>
-                  </p:par>
-                  <p:par>
-                    <p:cTn id="11" fill="hold">
-                      <p:stCondLst>
-                        <p:cond delay="indefinite"/>
-                      </p:stCondLst>
-                      <p:childTnLst>
-                        <p:par>
-                          <p:cTn id="12" fill="hold">
-                            <p:stCondLst>
-                              <p:cond delay="0"/>
-                            </p:stCondLst>
-                            <p:childTnLst>
-                              <p:par>
-                                <p:cTn id="13" presetID="1" presetClass="entr" presetSubtype="0" fill="hold" nodeType="clickEffect">
-                                  <p:stCondLst>
-                                    <p:cond delay="0"/>
-                                  </p:stCondLst>
-                                  <p:childTnLst>
-                                    <p:set>
-                                      <p:cBhvr>
-                                        <p:cTn id="14" dur="1" fill="hold">
-                                          <p:stCondLst>
-                                            <p:cond delay="0"/>
-                                          </p:stCondLst>
-                                        </p:cTn>
-                                        <p:tgtEl>
-                                          <p:spTgt spid="2">
-                                            <p:txEl>
-                                              <p:pRg st="2" end="2"/>
-                                            </p:txEl>
-                                          </p:spTgt>
-                                        </p:tgtEl>
-                                        <p:attrNameLst>
-                                          <p:attrName>style.visibility</p:attrName>
-                                        </p:attrNameLst>
-                                      </p:cBhvr>
-                                      <p:to>
-                                        <p:strVal val="visible"/>
-                                      </p:to>
-                                    </p:set>
-                                  </p:childTnLst>
-                                </p:cTn>
-                              </p:par>
-                            </p:childTnLst>
-                          </p:cTn>
-                        </p:par>
-                      </p:childTnLst>
-                    </p:cTn>
-                  </p:par>
-                </p:childTnLst>
-              </p:cTn>
-              <p:prevCondLst>
-                <p:cond evt="onPrev" delay="0">
-                  <p:tgtEl>
-                    <p:sldTgt/>
-                  </p:tgtEl>
-                </p:cond>
-              </p:prevCondLst>
-              <p:nextCondLst>
-                <p:cond evt="onNext" delay="0">
-                  <p:tgtEl>
-                    <p:sldTgt/>
-                  </p:tgtEl>
-                </p:cond>
-              </p:nextCondLst>
-            </p:seq>
-          </p:childTnLst>
-        </p:cTn>
-      </p:par>
-    </p:tnLst>
-  </p:timing>
 </p:sld>
 </file>
 
@@ -4648,7 +4917,7 @@
               <a:rPr lang="de-DE" sz="4000" b="1" dirty="0">
                 <a:latin typeface="Montserrat" pitchFamily="2" charset="77"/>
               </a:rPr>
-              <a:t>VORTEILE DURCH PUNKTESYSTEM</a:t>
+              <a:t>NEUE MARKETING-PLATTFORM</a:t>
             </a:r>
           </a:p>
           <a:p>
@@ -4656,7 +4925,7 @@
               <a:rPr lang="de-DE" sz="4000" b="1" dirty="0">
                 <a:latin typeface="Montserrat" pitchFamily="2" charset="77"/>
               </a:rPr>
-              <a:t>UNTERHALTUNGSWERT</a:t>
+              <a:t>KUNDENVERHALTEN VERSTEHEN</a:t>
             </a:r>
           </a:p>
           <a:p>
@@ -4664,7 +4933,7 @@
               <a:rPr lang="de-DE" sz="4000" b="1" dirty="0">
                 <a:latin typeface="Montserrat" pitchFamily="2" charset="77"/>
               </a:rPr>
-              <a:t>CHALLENGE MIT FREUNDEN</a:t>
+              <a:t>EINBINDUNG VON DRITTANBIETERN</a:t>
             </a:r>
           </a:p>
         </p:txBody>
@@ -4706,190 +4975,13 @@
     </p:spTree>
     <p:extLst>
       <p:ext uri="{BB962C8B-B14F-4D97-AF65-F5344CB8AC3E}">
-        <p14:creationId xmlns:p14="http://schemas.microsoft.com/office/powerpoint/2010/main" val="497685164"/>
+        <p14:creationId xmlns:p14="http://schemas.microsoft.com/office/powerpoint/2010/main" val="2957811535"/>
       </p:ext>
     </p:extLst>
   </p:cSld>
   <p:clrMapOvr>
     <a:masterClrMapping/>
   </p:clrMapOvr>
-  <p:timing>
-    <p:tnLst>
-      <p:par>
-        <p:cTn id="1" dur="indefinite" restart="never" nodeType="tmRoot">
-          <p:childTnLst>
-            <p:seq concurrent="1" nextAc="seek">
-              <p:cTn id="2" dur="indefinite" nodeType="mainSeq">
-                <p:childTnLst>
-                  <p:par>
-                    <p:cTn id="3" fill="hold">
-                      <p:stCondLst>
-                        <p:cond delay="indefinite"/>
-                      </p:stCondLst>
-                      <p:childTnLst>
-                        <p:par>
-                          <p:cTn id="4" fill="hold">
-                            <p:stCondLst>
-                              <p:cond delay="0"/>
-                            </p:stCondLst>
-                            <p:childTnLst>
-                              <p:par>
-                                <p:cTn id="5" presetID="1" presetClass="entr" presetSubtype="0" fill="hold" nodeType="clickEffect">
-                                  <p:stCondLst>
-                                    <p:cond delay="0"/>
-                                  </p:stCondLst>
-                                  <p:childTnLst>
-                                    <p:set>
-                                      <p:cBhvr>
-                                        <p:cTn id="6" dur="1" fill="hold">
-                                          <p:stCondLst>
-                                            <p:cond delay="0"/>
-                                          </p:stCondLst>
-                                        </p:cTn>
-                                        <p:tgtEl>
-                                          <p:spTgt spid="2">
-                                            <p:txEl>
-                                              <p:pRg st="0" end="0"/>
-                                            </p:txEl>
-                                          </p:spTgt>
-                                        </p:tgtEl>
-                                        <p:attrNameLst>
-                                          <p:attrName>style.visibility</p:attrName>
-                                        </p:attrNameLst>
-                                      </p:cBhvr>
-                                      <p:to>
-                                        <p:strVal val="visible"/>
-                                      </p:to>
-                                    </p:set>
-                                  </p:childTnLst>
-                                </p:cTn>
-                              </p:par>
-                            </p:childTnLst>
-                          </p:cTn>
-                        </p:par>
-                      </p:childTnLst>
-                    </p:cTn>
-                  </p:par>
-                  <p:par>
-                    <p:cTn id="7" fill="hold">
-                      <p:stCondLst>
-                        <p:cond delay="indefinite"/>
-                      </p:stCondLst>
-                      <p:childTnLst>
-                        <p:par>
-                          <p:cTn id="8" fill="hold">
-                            <p:stCondLst>
-                              <p:cond delay="0"/>
-                            </p:stCondLst>
-                            <p:childTnLst>
-                              <p:par>
-                                <p:cTn id="9" presetID="1" presetClass="entr" presetSubtype="0" fill="hold" nodeType="clickEffect">
-                                  <p:stCondLst>
-                                    <p:cond delay="0"/>
-                                  </p:stCondLst>
-                                  <p:childTnLst>
-                                    <p:set>
-                                      <p:cBhvr>
-                                        <p:cTn id="10" dur="1" fill="hold">
-                                          <p:stCondLst>
-                                            <p:cond delay="0"/>
-                                          </p:stCondLst>
-                                        </p:cTn>
-                                        <p:tgtEl>
-                                          <p:spTgt spid="2">
-                                            <p:txEl>
-                                              <p:pRg st="1" end="1"/>
-                                            </p:txEl>
-                                          </p:spTgt>
-                                        </p:tgtEl>
-                                        <p:attrNameLst>
-                                          <p:attrName>style.visibility</p:attrName>
-                                        </p:attrNameLst>
-                                      </p:cBhvr>
-                                      <p:to>
-                                        <p:strVal val="visible"/>
-                                      </p:to>
-                                    </p:set>
-                                  </p:childTnLst>
-                                </p:cTn>
-                              </p:par>
-                            </p:childTnLst>
-                          </p:cTn>
-                        </p:par>
-                      </p:childTnLst>
-                    </p:cTn>
-                  </p:par>
-                  <p:par>
-                    <p:cTn id="11" fill="hold">
-                      <p:stCondLst>
-                        <p:cond delay="indefinite"/>
-                      </p:stCondLst>
-                      <p:childTnLst>
-                        <p:par>
-                          <p:cTn id="12" fill="hold">
-                            <p:stCondLst>
-                              <p:cond delay="0"/>
-                            </p:stCondLst>
-                            <p:childTnLst>
-                              <p:par>
-                                <p:cTn id="13" presetID="1" presetClass="entr" presetSubtype="0" fill="hold" nodeType="clickEffect">
-                                  <p:stCondLst>
-                                    <p:cond delay="0"/>
-                                  </p:stCondLst>
-                                  <p:childTnLst>
-                                    <p:set>
-                                      <p:cBhvr>
-                                        <p:cTn id="14" dur="1" fill="hold">
-                                          <p:stCondLst>
-                                            <p:cond delay="0"/>
-                                          </p:stCondLst>
-                                        </p:cTn>
-                                        <p:tgtEl>
-                                          <p:spTgt spid="2">
-                                            <p:txEl>
-                                              <p:pRg st="2" end="2"/>
-                                            </p:txEl>
-                                          </p:spTgt>
-                                        </p:tgtEl>
-                                        <p:attrNameLst>
-                                          <p:attrName>style.visibility</p:attrName>
-                                        </p:attrNameLst>
-                                      </p:cBhvr>
-                                      <p:to>
-                                        <p:strVal val="visible"/>
-                                      </p:to>
-                                    </p:set>
-                                  </p:childTnLst>
-                                </p:cTn>
-                              </p:par>
-                            </p:childTnLst>
-                          </p:cTn>
-                        </p:par>
-                      </p:childTnLst>
-                    </p:cTn>
-                  </p:par>
-                </p:childTnLst>
-              </p:cTn>
-              <p:prevCondLst>
-                <p:cond evt="onPrev" delay="0">
-                  <p:tgtEl>
-                    <p:sldTgt/>
-                  </p:tgtEl>
-                </p:cond>
-              </p:prevCondLst>
-              <p:nextCondLst>
-                <p:cond evt="onNext" delay="0">
-                  <p:tgtEl>
-                    <p:sldTgt/>
-                  </p:tgtEl>
-                </p:cond>
-              </p:nextCondLst>
-            </p:seq>
-          </p:childTnLst>
-        </p:cTn>
-      </p:par>
-    </p:tnLst>
-  </p:timing>
 </p:sld>
 </file>
 
@@ -4948,6 +5040,62 @@
           </a:p>
         </p:txBody>
       </p:sp>
+      <p:pic>
+        <p:nvPicPr>
+          <p:cNvPr id="3" name="Grafik 2">
+            <a:extLst>
+              <a:ext uri="{FF2B5EF4-FFF2-40B4-BE49-F238E27FC236}">
+                <a16:creationId xmlns:a16="http://schemas.microsoft.com/office/drawing/2014/main" id="{778B66FF-0C74-4A66-8F9A-7EECAAA0D927}"/>
+              </a:ext>
+            </a:extLst>
+          </p:cNvPr>
+          <p:cNvPicPr>
+            <a:picLocks noChangeAspect="1"/>
+          </p:cNvPicPr>
+          <p:nvPr/>
+        </p:nvPicPr>
+        <p:blipFill>
+          <a:blip r:embed="rId3"/>
+          <a:stretch>
+            <a:fillRect/>
+          </a:stretch>
+        </p:blipFill>
+        <p:spPr>
+          <a:xfrm>
+            <a:off x="4648982" y="1043867"/>
+            <a:ext cx="2894034" cy="1723414"/>
+          </a:xfrm>
+          <a:prstGeom prst="rect">
+            <a:avLst/>
+          </a:prstGeom>
+          <a:solidFill>
+            <a:schemeClr val="tx1"/>
+          </a:solidFill>
+          <a:ln w="88900" cap="sq">
+            <a:noFill/>
+            <a:miter lim="800000"/>
+          </a:ln>
+          <a:effectLst>
+            <a:outerShdw blurRad="55000" dist="18000" dir="5400000" algn="tl" rotWithShape="0">
+              <a:srgbClr val="000000">
+                <a:alpha val="40000"/>
+              </a:srgbClr>
+            </a:outerShdw>
+          </a:effectLst>
+          <a:scene3d>
+            <a:camera prst="orthographicFront"/>
+            <a:lightRig rig="twoPt" dir="t">
+              <a:rot lat="0" lon="0" rev="7200000"/>
+            </a:lightRig>
+          </a:scene3d>
+          <a:sp3d>
+            <a:bevelT w="25400" h="19050"/>
+            <a:contourClr>
+              <a:srgbClr val="FFFFFF"/>
+            </a:contourClr>
+          </a:sp3d>
+        </p:spPr>
+      </p:pic>
     </p:spTree>
     <p:extLst>
       <p:ext uri="{BB962C8B-B14F-4D97-AF65-F5344CB8AC3E}">

--- a/bernhackt_team_material/aldente_präsentation_bernmobil.pptx
+++ b/bernhackt_team_material/aldente_präsentation_bernmobil.pptx
@@ -121,10 +121,6 @@
 </p:presentation>
 </file>
 
-<file path=ppt/revisionInfo.xml><?xml version="1.0" encoding="utf-8"?>
-<p1510:revInfo xmlns:a="http://schemas.openxmlformats.org/drawingml/2006/main" xmlns:r="http://schemas.openxmlformats.org/officeDocument/2006/relationships" xmlns:p1510="http://schemas.microsoft.com/office/powerpoint/2015/10/main"/>
-</file>
-
 <file path=ppt/notesMasters/notesMaster1.xml><?xml version="1.0" encoding="utf-8"?>
 <p:notesMaster xmlns:a="http://schemas.openxmlformats.org/drawingml/2006/main" xmlns:r="http://schemas.openxmlformats.org/officeDocument/2006/relationships" xmlns:p="http://schemas.openxmlformats.org/presentationml/2006/main">
   <p:cSld>
@@ -207,7 +203,7 @@
           <a:p>
             <a:fld id="{7721DC1C-49F6-224E-845F-87218FEA9888}" type="datetimeFigureOut">
               <a:rPr lang="de-DE" smtClean="0"/>
-              <a:t>26.08.2018</a:t>
+              <a:t>26.08.18</a:t>
             </a:fld>
             <a:endParaRPr lang="de-DE"/>
           </a:p>
@@ -340,7 +336,7 @@
           <a:p>
             <a:fld id="{9C43F178-B2D3-214E-B2AB-22C5D90FDEFE}" type="slidenum">
               <a:rPr lang="de-DE" smtClean="0"/>
-              <a:t>‹Nr.›</a:t>
+              <a:t>‹#›</a:t>
             </a:fld>
             <a:endParaRPr lang="de-DE"/>
           </a:p>
@@ -1369,7 +1365,7 @@
           <a:p>
             <a:fld id="{7367BFBA-07B6-EC4B-8A73-4F4A51F9C3AC}" type="datetimeFigureOut">
               <a:rPr lang="de-DE" smtClean="0"/>
-              <a:t>26.08.2018</a:t>
+              <a:t>26.08.18</a:t>
             </a:fld>
             <a:endParaRPr lang="de-DE"/>
           </a:p>
@@ -1423,7 +1419,7 @@
           <a:p>
             <a:fld id="{620C1860-F166-3C4B-B031-4D4B2A313755}" type="slidenum">
               <a:rPr lang="de-DE" smtClean="0"/>
-              <a:t>‹Nr.›</a:t>
+              <a:t>‹#›</a:t>
             </a:fld>
             <a:endParaRPr lang="de-DE"/>
           </a:p>
@@ -1542,7 +1538,7 @@
           <a:p>
             <a:fld id="{7367BFBA-07B6-EC4B-8A73-4F4A51F9C3AC}" type="datetimeFigureOut">
               <a:rPr lang="de-DE" smtClean="0"/>
-              <a:t>26.08.2018</a:t>
+              <a:t>26.08.18</a:t>
             </a:fld>
             <a:endParaRPr lang="de-DE"/>
           </a:p>
@@ -1596,7 +1592,7 @@
           <a:p>
             <a:fld id="{620C1860-F166-3C4B-B031-4D4B2A313755}" type="slidenum">
               <a:rPr lang="de-DE" smtClean="0"/>
-              <a:t>‹Nr.›</a:t>
+              <a:t>‹#›</a:t>
             </a:fld>
             <a:endParaRPr lang="de-DE"/>
           </a:p>
@@ -1725,7 +1721,7 @@
           <a:p>
             <a:fld id="{7367BFBA-07B6-EC4B-8A73-4F4A51F9C3AC}" type="datetimeFigureOut">
               <a:rPr lang="de-DE" smtClean="0"/>
-              <a:t>26.08.2018</a:t>
+              <a:t>26.08.18</a:t>
             </a:fld>
             <a:endParaRPr lang="de-DE"/>
           </a:p>
@@ -1779,7 +1775,7 @@
           <a:p>
             <a:fld id="{620C1860-F166-3C4B-B031-4D4B2A313755}" type="slidenum">
               <a:rPr lang="de-DE" smtClean="0"/>
-              <a:t>‹Nr.›</a:t>
+              <a:t>‹#›</a:t>
             </a:fld>
             <a:endParaRPr lang="de-DE"/>
           </a:p>
@@ -1898,7 +1894,7 @@
           <a:p>
             <a:fld id="{7367BFBA-07B6-EC4B-8A73-4F4A51F9C3AC}" type="datetimeFigureOut">
               <a:rPr lang="de-DE" smtClean="0"/>
-              <a:t>26.08.2018</a:t>
+              <a:t>26.08.18</a:t>
             </a:fld>
             <a:endParaRPr lang="de-DE"/>
           </a:p>
@@ -1952,7 +1948,7 @@
           <a:p>
             <a:fld id="{620C1860-F166-3C4B-B031-4D4B2A313755}" type="slidenum">
               <a:rPr lang="de-DE" smtClean="0"/>
-              <a:t>‹Nr.›</a:t>
+              <a:t>‹#›</a:t>
             </a:fld>
             <a:endParaRPr lang="de-DE"/>
           </a:p>
@@ -2176,7 +2172,7 @@
           <a:p>
             <a:fld id="{7367BFBA-07B6-EC4B-8A73-4F4A51F9C3AC}" type="datetimeFigureOut">
               <a:rPr lang="de-DE" smtClean="0"/>
-              <a:t>26.08.2018</a:t>
+              <a:t>26.08.18</a:t>
             </a:fld>
             <a:endParaRPr lang="de-DE"/>
           </a:p>
@@ -2230,7 +2226,7 @@
           <a:p>
             <a:fld id="{620C1860-F166-3C4B-B031-4D4B2A313755}" type="slidenum">
               <a:rPr lang="de-DE" smtClean="0"/>
-              <a:t>‹Nr.›</a:t>
+              <a:t>‹#›</a:t>
             </a:fld>
             <a:endParaRPr lang="de-DE"/>
           </a:p>
@@ -2391,7 +2387,7 @@
           <a:p>
             <a:fld id="{7367BFBA-07B6-EC4B-8A73-4F4A51F9C3AC}" type="datetimeFigureOut">
               <a:rPr lang="de-DE" smtClean="0"/>
-              <a:t>26.08.2018</a:t>
+              <a:t>26.08.18</a:t>
             </a:fld>
             <a:endParaRPr lang="de-DE"/>
           </a:p>
@@ -2445,7 +2441,7 @@
           <a:p>
             <a:fld id="{620C1860-F166-3C4B-B031-4D4B2A313755}" type="slidenum">
               <a:rPr lang="de-DE" smtClean="0"/>
-              <a:t>‹Nr.›</a:t>
+              <a:t>‹#›</a:t>
             </a:fld>
             <a:endParaRPr lang="de-DE"/>
           </a:p>
@@ -2759,7 +2755,7 @@
           <a:p>
             <a:fld id="{7367BFBA-07B6-EC4B-8A73-4F4A51F9C3AC}" type="datetimeFigureOut">
               <a:rPr lang="de-DE" smtClean="0"/>
-              <a:t>26.08.2018</a:t>
+              <a:t>26.08.18</a:t>
             </a:fld>
             <a:endParaRPr lang="de-DE"/>
           </a:p>
@@ -2813,7 +2809,7 @@
           <a:p>
             <a:fld id="{620C1860-F166-3C4B-B031-4D4B2A313755}" type="slidenum">
               <a:rPr lang="de-DE" smtClean="0"/>
-              <a:t>‹Nr.›</a:t>
+              <a:t>‹#›</a:t>
             </a:fld>
             <a:endParaRPr lang="de-DE"/>
           </a:p>
@@ -2900,7 +2896,7 @@
           <a:p>
             <a:fld id="{7367BFBA-07B6-EC4B-8A73-4F4A51F9C3AC}" type="datetimeFigureOut">
               <a:rPr lang="de-DE" smtClean="0"/>
-              <a:t>26.08.2018</a:t>
+              <a:t>26.08.18</a:t>
             </a:fld>
             <a:endParaRPr lang="de-DE"/>
           </a:p>
@@ -2954,7 +2950,7 @@
           <a:p>
             <a:fld id="{620C1860-F166-3C4B-B031-4D4B2A313755}" type="slidenum">
               <a:rPr lang="de-DE" smtClean="0"/>
-              <a:t>‹Nr.›</a:t>
+              <a:t>‹#›</a:t>
             </a:fld>
             <a:endParaRPr lang="de-DE"/>
           </a:p>
@@ -3013,7 +3009,7 @@
           <a:p>
             <a:fld id="{7367BFBA-07B6-EC4B-8A73-4F4A51F9C3AC}" type="datetimeFigureOut">
               <a:rPr lang="de-DE" smtClean="0"/>
-              <a:t>26.08.2018</a:t>
+              <a:t>26.08.18</a:t>
             </a:fld>
             <a:endParaRPr lang="de-DE"/>
           </a:p>
@@ -3067,7 +3063,7 @@
           <a:p>
             <a:fld id="{620C1860-F166-3C4B-B031-4D4B2A313755}" type="slidenum">
               <a:rPr lang="de-DE" smtClean="0"/>
-              <a:t>‹Nr.›</a:t>
+              <a:t>‹#›</a:t>
             </a:fld>
             <a:endParaRPr lang="de-DE"/>
           </a:p>
@@ -3302,7 +3298,7 @@
           <a:p>
             <a:fld id="{7367BFBA-07B6-EC4B-8A73-4F4A51F9C3AC}" type="datetimeFigureOut">
               <a:rPr lang="de-DE" smtClean="0"/>
-              <a:t>26.08.2018</a:t>
+              <a:t>26.08.18</a:t>
             </a:fld>
             <a:endParaRPr lang="de-DE"/>
           </a:p>
@@ -3356,7 +3352,7 @@
           <a:p>
             <a:fld id="{620C1860-F166-3C4B-B031-4D4B2A313755}" type="slidenum">
               <a:rPr lang="de-DE" smtClean="0"/>
-              <a:t>‹Nr.›</a:t>
+              <a:t>‹#›</a:t>
             </a:fld>
             <a:endParaRPr lang="de-DE"/>
           </a:p>
@@ -3593,7 +3589,7 @@
           <a:p>
             <a:fld id="{7367BFBA-07B6-EC4B-8A73-4F4A51F9C3AC}" type="datetimeFigureOut">
               <a:rPr lang="de-DE" smtClean="0"/>
-              <a:t>26.08.2018</a:t>
+              <a:t>26.08.18</a:t>
             </a:fld>
             <a:endParaRPr lang="de-DE"/>
           </a:p>
@@ -3647,7 +3643,7 @@
           <a:p>
             <a:fld id="{620C1860-F166-3C4B-B031-4D4B2A313755}" type="slidenum">
               <a:rPr lang="de-DE" smtClean="0"/>
-              <a:t>‹Nr.›</a:t>
+              <a:t>‹#›</a:t>
             </a:fld>
             <a:endParaRPr lang="de-DE"/>
           </a:p>
@@ -3809,7 +3805,7 @@
           <a:p>
             <a:fld id="{7367BFBA-07B6-EC4B-8A73-4F4A51F9C3AC}" type="datetimeFigureOut">
               <a:rPr lang="de-DE" smtClean="0"/>
-              <a:t>26.08.2018</a:t>
+              <a:t>26.08.18</a:t>
             </a:fld>
             <a:endParaRPr lang="de-DE"/>
           </a:p>
@@ -3899,7 +3895,7 @@
           <a:p>
             <a:fld id="{620C1860-F166-3C4B-B031-4D4B2A313755}" type="slidenum">
               <a:rPr lang="de-DE" smtClean="0"/>
-              <a:t>‹Nr.›</a:t>
+              <a:t>‹#›</a:t>
             </a:fld>
             <a:endParaRPr lang="de-DE"/>
           </a:p>
@@ -4800,7 +4796,7 @@
               <a:rPr lang="de-DE" sz="4000" b="1" dirty="0">
                 <a:latin typeface="Montserrat" pitchFamily="2" charset="77"/>
               </a:rPr>
-              <a:t>VORTEILE DURCH PUNKTESYSTEM</a:t>
+              <a:t>PUNKTE FÜR Z.B RABATTE EINSETZEN</a:t>
             </a:r>
           </a:p>
           <a:p>
@@ -4988,6 +4984,14 @@
 <file path=ppt/slides/slide7.xml><?xml version="1.0" encoding="utf-8"?>
 <p:sld xmlns:a="http://schemas.openxmlformats.org/drawingml/2006/main" xmlns:r="http://schemas.openxmlformats.org/officeDocument/2006/relationships" xmlns:p="http://schemas.openxmlformats.org/presentationml/2006/main">
   <p:cSld>
+    <p:bg>
+      <p:bgPr>
+        <a:solidFill>
+          <a:schemeClr val="tx1"/>
+        </a:solidFill>
+        <a:effectLst/>
+      </p:bgPr>
+    </p:bg>
     <p:spTree>
       <p:nvGrpSpPr>
         <p:cNvPr id="1" name=""/>
@@ -5033,6 +5037,9 @@
             <a:pPr algn="ctr"/>
             <a:r>
               <a:rPr lang="de-DE" sz="8000" b="1" dirty="0">
+                <a:solidFill>
+                  <a:schemeClr val="bg1"/>
+                </a:solidFill>
                 <a:latin typeface="Montserrat" pitchFamily="2" charset="77"/>
               </a:rPr>
               <a:t>GUETI FAHRT!</a:t>
@@ -5062,7 +5069,7 @@
         </p:blipFill>
         <p:spPr>
           <a:xfrm>
-            <a:off x="4648982" y="1043867"/>
+            <a:off x="4648982" y="843145"/>
             <a:ext cx="2894034" cy="1723414"/>
           </a:xfrm>
           <a:prstGeom prst="rect">
@@ -5107,7 +5114,7 @@
     <a:masterClrMapping/>
   </p:clrMapOvr>
   <p:transition spd="slow">
-    <p:push/>
+    <p:push dir="u"/>
   </p:transition>
 </p:sld>
 </file>
